--- a/Spark&& spark core.pptx
+++ b/Spark&& spark core.pptx
@@ -25,10 +25,10 @@
     <p:sldId id="475" r:id="rId13"/>
     <p:sldId id="476" r:id="rId14"/>
     <p:sldId id="477" r:id="rId15"/>
-    <p:sldId id="478" r:id="rId16"/>
-    <p:sldId id="479" r:id="rId17"/>
-    <p:sldId id="483" r:id="rId18"/>
-    <p:sldId id="484" r:id="rId19"/>
+    <p:sldId id="479" r:id="rId16"/>
+    <p:sldId id="483" r:id="rId17"/>
+    <p:sldId id="484" r:id="rId18"/>
+    <p:sldId id="492" r:id="rId19"/>
     <p:sldId id="481" r:id="rId20"/>
     <p:sldId id="482" r:id="rId21"/>
     <p:sldId id="485" r:id="rId22"/>
@@ -232,7 +232,7 @@
           <a:p>
             <a:fld id="{52DC7E0A-FE25-4298-B2A5-F81E4409DC3D}" type="datetimeFigureOut">
               <a:rPr lang="zh-CN" altLang="en-US" smtClean="0"/>
-              <a:t>2022/11/30</a:t>
+              <a:t>2022/12/16</a:t>
             </a:fld>
             <a:endParaRPr lang="zh-CN" altLang="en-US"/>
           </a:p>
@@ -397,7 +397,7 @@
           <a:p>
             <a:fld id="{10DB2BC2-E36F-4014-826D-67C3AA5D550C}" type="datetimeFigureOut">
               <a:rPr lang="zh-CN" altLang="en-US" smtClean="0"/>
-              <a:t>2022/11/30</a:t>
+              <a:t>2022/12/16</a:t>
             </a:fld>
             <a:endParaRPr lang="zh-CN" altLang="en-US"/>
           </a:p>
@@ -1251,7 +1251,7 @@
     </p:spTree>
     <p:extLst>
       <p:ext uri="{BB962C8B-B14F-4D97-AF65-F5344CB8AC3E}">
-        <p14:creationId xmlns:p14="http://schemas.microsoft.com/office/powerpoint/2010/main" val="4247387551"/>
+        <p14:creationId xmlns:p14="http://schemas.microsoft.com/office/powerpoint/2010/main" val="4086001859"/>
       </p:ext>
     </p:extLst>
   </p:cSld>
@@ -1335,7 +1335,7 @@
     </p:spTree>
     <p:extLst>
       <p:ext uri="{BB962C8B-B14F-4D97-AF65-F5344CB8AC3E}">
-        <p14:creationId xmlns:p14="http://schemas.microsoft.com/office/powerpoint/2010/main" val="4086001859"/>
+        <p14:creationId xmlns:p14="http://schemas.microsoft.com/office/powerpoint/2010/main" val="2931871140"/>
       </p:ext>
     </p:extLst>
   </p:cSld>
@@ -1419,7 +1419,7 @@
     </p:spTree>
     <p:extLst>
       <p:ext uri="{BB962C8B-B14F-4D97-AF65-F5344CB8AC3E}">
-        <p14:creationId xmlns:p14="http://schemas.microsoft.com/office/powerpoint/2010/main" val="2931871140"/>
+        <p14:creationId xmlns:p14="http://schemas.microsoft.com/office/powerpoint/2010/main" val="4265293187"/>
       </p:ext>
     </p:extLst>
   </p:cSld>
@@ -1503,7 +1503,7 @@
     </p:spTree>
     <p:extLst>
       <p:ext uri="{BB962C8B-B14F-4D97-AF65-F5344CB8AC3E}">
-        <p14:creationId xmlns:p14="http://schemas.microsoft.com/office/powerpoint/2010/main" val="4265293187"/>
+        <p14:creationId xmlns:p14="http://schemas.microsoft.com/office/powerpoint/2010/main" val="134819605"/>
       </p:ext>
     </p:extLst>
   </p:cSld>
@@ -3070,7 +3070,7 @@
           <a:p>
             <a:fld id="{F10F7005-9383-42C0-A374-E507AD6B23EE}" type="datetimeFigureOut">
               <a:rPr lang="zh-CN" altLang="en-US" smtClean="0"/>
-              <a:t>2022/11/30</a:t>
+              <a:t>2022/12/16</a:t>
             </a:fld>
             <a:endParaRPr lang="zh-CN" altLang="en-US"/>
           </a:p>
@@ -3236,7 +3236,7 @@
           <a:p>
             <a:fld id="{F10F7005-9383-42C0-A374-E507AD6B23EE}" type="datetimeFigureOut">
               <a:rPr lang="zh-CN" altLang="en-US" smtClean="0"/>
-              <a:t>2022/11/30</a:t>
+              <a:t>2022/12/16</a:t>
             </a:fld>
             <a:endParaRPr lang="zh-CN" altLang="en-US"/>
           </a:p>
@@ -3412,7 +3412,7 @@
           <a:p>
             <a:fld id="{F10F7005-9383-42C0-A374-E507AD6B23EE}" type="datetimeFigureOut">
               <a:rPr lang="zh-CN" altLang="en-US" smtClean="0"/>
-              <a:t>2022/11/30</a:t>
+              <a:t>2022/12/16</a:t>
             </a:fld>
             <a:endParaRPr lang="zh-CN" altLang="en-US"/>
           </a:p>
@@ -4652,7 +4652,7 @@
           <a:p>
             <a:fld id="{F10F7005-9383-42C0-A374-E507AD6B23EE}" type="datetimeFigureOut">
               <a:rPr lang="zh-CN" altLang="en-US" smtClean="0"/>
-              <a:t>2022/11/30</a:t>
+              <a:t>2022/12/16</a:t>
             </a:fld>
             <a:endParaRPr lang="zh-CN" altLang="en-US"/>
           </a:p>
@@ -4895,7 +4895,7 @@
           <a:p>
             <a:fld id="{F10F7005-9383-42C0-A374-E507AD6B23EE}" type="datetimeFigureOut">
               <a:rPr lang="zh-CN" altLang="en-US" smtClean="0"/>
-              <a:t>2022/11/30</a:t>
+              <a:t>2022/12/16</a:t>
             </a:fld>
             <a:endParaRPr lang="zh-CN" altLang="en-US"/>
           </a:p>
@@ -5122,7 +5122,7 @@
           <a:p>
             <a:fld id="{F10F7005-9383-42C0-A374-E507AD6B23EE}" type="datetimeFigureOut">
               <a:rPr lang="zh-CN" altLang="en-US" smtClean="0"/>
-              <a:t>2022/11/30</a:t>
+              <a:t>2022/12/16</a:t>
             </a:fld>
             <a:endParaRPr lang="zh-CN" altLang="en-US"/>
           </a:p>
@@ -6053,7 +6053,7 @@
           <a:p>
             <a:fld id="{F10F7005-9383-42C0-A374-E507AD6B23EE}" type="datetimeFigureOut">
               <a:rPr lang="zh-CN" altLang="en-US" smtClean="0"/>
-              <a:t>2022/11/30</a:t>
+              <a:t>2022/12/16</a:t>
             </a:fld>
             <a:endParaRPr lang="zh-CN" altLang="en-US"/>
           </a:p>
@@ -6168,7 +6168,7 @@
           <a:p>
             <a:fld id="{F10F7005-9383-42C0-A374-E507AD6B23EE}" type="datetimeFigureOut">
               <a:rPr lang="zh-CN" altLang="en-US" smtClean="0"/>
-              <a:t>2022/11/30</a:t>
+              <a:t>2022/12/16</a:t>
             </a:fld>
             <a:endParaRPr lang="zh-CN" altLang="en-US"/>
           </a:p>
@@ -6261,7 +6261,7 @@
           <a:p>
             <a:fld id="{F10F7005-9383-42C0-A374-E507AD6B23EE}" type="datetimeFigureOut">
               <a:rPr lang="zh-CN" altLang="en-US" smtClean="0"/>
-              <a:t>2022/11/30</a:t>
+              <a:t>2022/12/16</a:t>
             </a:fld>
             <a:endParaRPr lang="zh-CN" altLang="en-US"/>
           </a:p>
@@ -6534,7 +6534,7 @@
           <a:p>
             <a:fld id="{F10F7005-9383-42C0-A374-E507AD6B23EE}" type="datetimeFigureOut">
               <a:rPr lang="zh-CN" altLang="en-US" smtClean="0"/>
-              <a:t>2022/11/30</a:t>
+              <a:t>2022/12/16</a:t>
             </a:fld>
             <a:endParaRPr lang="zh-CN" altLang="en-US"/>
           </a:p>
@@ -6784,7 +6784,7 @@
           <a:p>
             <a:fld id="{F10F7005-9383-42C0-A374-E507AD6B23EE}" type="datetimeFigureOut">
               <a:rPr lang="zh-CN" altLang="en-US" smtClean="0"/>
-              <a:t>2022/11/30</a:t>
+              <a:t>2022/12/16</a:t>
             </a:fld>
             <a:endParaRPr lang="zh-CN" altLang="en-US"/>
           </a:p>
@@ -7023,7 +7023,7 @@
           <a:p>
             <a:fld id="{F10F7005-9383-42C0-A374-E507AD6B23EE}" type="datetimeFigureOut">
               <a:rPr lang="zh-CN" altLang="en-US" smtClean="0"/>
-              <a:t>2022/11/30</a:t>
+              <a:t>2022/12/16</a:t>
             </a:fld>
             <a:endParaRPr lang="zh-CN" altLang="en-US"/>
           </a:p>
@@ -10828,10 +10828,10 @@
       </p:sp>
       <p:pic>
         <p:nvPicPr>
-          <p:cNvPr id="5" name="图片 4">
+          <p:cNvPr id="3" name="图片 2">
             <a:extLst>
               <a:ext uri="{FF2B5EF4-FFF2-40B4-BE49-F238E27FC236}">
-                <a16:creationId xmlns:a16="http://schemas.microsoft.com/office/drawing/2014/main" id="{E19464DC-EA92-AD49-93D0-3C6A2AC0DEAD}"/>
+                <a16:creationId xmlns:a16="http://schemas.microsoft.com/office/drawing/2014/main" id="{4D115C79-9661-9F4F-86F5-B142F897089A}"/>
               </a:ext>
             </a:extLst>
           </p:cNvPr>
@@ -10854,8 +10854,8 @@
         </p:blipFill>
         <p:spPr>
           <a:xfrm>
-            <a:off x="310150" y="845389"/>
-            <a:ext cx="5559003" cy="4022066"/>
+            <a:off x="474052" y="948904"/>
+            <a:ext cx="5117861" cy="3702889"/>
           </a:xfrm>
           <a:prstGeom prst="rect">
             <a:avLst/>
@@ -11921,7 +11921,7 @@
         <p:spPr bwMode="auto">
           <a:xfrm>
             <a:off x="934511" y="183664"/>
-            <a:ext cx="1598515" cy="338554"/>
+            <a:ext cx="3287951" cy="338554"/>
           </a:xfrm>
           <a:prstGeom prst="rect">
             <a:avLst/>
@@ -12093,8 +12093,29 @@
                 <a:cs typeface="+mn-ea"/>
                 <a:sym typeface="+mn-lt"/>
               </a:rPr>
-              <a:t> 核心属性</a:t>
-            </a:r>
+              <a:t> 三类算子 之 </a:t>
+            </a:r>
+            <a:r>
+              <a:rPr lang="en-US" altLang="zh-CN" sz="1600" dirty="0">
+                <a:solidFill>
+                  <a:schemeClr val="accent1"/>
+                </a:solidFill>
+                <a:latin typeface="+mn-lt"/>
+                <a:ea typeface="+mn-ea"/>
+                <a:cs typeface="+mn-ea"/>
+                <a:sym typeface="+mn-lt"/>
+              </a:rPr>
+              <a:t>Transformation</a:t>
+            </a:r>
+            <a:endParaRPr lang="zh-CN" altLang="en-US" sz="1600" dirty="0">
+              <a:solidFill>
+                <a:schemeClr val="accent1"/>
+              </a:solidFill>
+              <a:latin typeface="+mn-lt"/>
+              <a:ea typeface="+mn-ea"/>
+              <a:cs typeface="+mn-ea"/>
+              <a:sym typeface="+mn-lt"/>
+            </a:endParaRPr>
           </a:p>
         </p:txBody>
       </p:sp>
@@ -12135,10 +12156,110 @@
       </p:cxnSp>
       <p:sp>
         <p:nvSpPr>
-          <p:cNvPr id="15" name="文本框 14">
+          <p:cNvPr id="5" name="矩形 4">
             <a:extLst>
               <a:ext uri="{FF2B5EF4-FFF2-40B4-BE49-F238E27FC236}">
-                <a16:creationId xmlns:a16="http://schemas.microsoft.com/office/drawing/2014/main" id="{215A095B-0862-7142-B5D3-A39BFB9AA701}"/>
+                <a16:creationId xmlns:a16="http://schemas.microsoft.com/office/drawing/2014/main" id="{37FC13C4-18B1-F142-B20D-A4298EA634A4}"/>
+              </a:ext>
+            </a:extLst>
+          </p:cNvPr>
+          <p:cNvSpPr/>
+          <p:nvPr/>
+        </p:nvSpPr>
+        <p:spPr>
+          <a:xfrm>
+            <a:off x="934510" y="541316"/>
+            <a:ext cx="5451299" cy="230832"/>
+          </a:xfrm>
+          <a:prstGeom prst="rect">
+            <a:avLst/>
+          </a:prstGeom>
+        </p:spPr>
+        <p:txBody>
+          <a:bodyPr wrap="square">
+            <a:spAutoFit/>
+          </a:bodyPr>
+          <a:lstStyle/>
+          <a:p>
+            <a:r>
+              <a:rPr lang="zh-CN" altLang="en-US" sz="900" b="0" i="0" u="none" strike="noStrike" dirty="0">
+                <a:solidFill>
+                  <a:srgbClr val="333333"/>
+                </a:solidFill>
+                <a:effectLst/>
+                <a:latin typeface="Open Sans" panose="020F0502020204030204" pitchFamily="34" charset="0"/>
+              </a:rPr>
+              <a:t>定义</a:t>
+            </a:r>
+            <a:r>
+              <a:rPr lang="en-US" altLang="zh-CN" sz="900" b="0" i="0" u="none" strike="noStrike" dirty="0">
+                <a:solidFill>
+                  <a:srgbClr val="333333"/>
+                </a:solidFill>
+                <a:effectLst/>
+                <a:latin typeface="Open Sans" panose="020F0502020204030204" pitchFamily="34" charset="0"/>
+              </a:rPr>
+              <a:t>RDD</a:t>
+            </a:r>
+            <a:r>
+              <a:rPr lang="zh-CN" altLang="en-US" sz="900" b="0" i="0" u="none" strike="noStrike" dirty="0">
+                <a:solidFill>
+                  <a:srgbClr val="333333"/>
+                </a:solidFill>
+                <a:effectLst/>
+                <a:latin typeface="Open Sans" panose="020F0502020204030204" pitchFamily="34" charset="0"/>
+              </a:rPr>
+              <a:t>转换模式，惰性计算</a:t>
+            </a:r>
+            <a:endParaRPr lang="zh-CN" altLang="en-US" sz="900" dirty="0">
+              <a:cs typeface="+mn-ea"/>
+              <a:sym typeface="+mn-lt"/>
+            </a:endParaRPr>
+          </a:p>
+        </p:txBody>
+      </p:sp>
+      <p:pic>
+        <p:nvPicPr>
+          <p:cNvPr id="6" name="图片 5">
+            <a:extLst>
+              <a:ext uri="{FF2B5EF4-FFF2-40B4-BE49-F238E27FC236}">
+                <a16:creationId xmlns:a16="http://schemas.microsoft.com/office/drawing/2014/main" id="{CABFEDE4-6E3B-9145-AD9F-D1DCBC3E0202}"/>
+              </a:ext>
+            </a:extLst>
+          </p:cNvPr>
+          <p:cNvPicPr>
+            <a:picLocks noChangeAspect="1"/>
+          </p:cNvPicPr>
+          <p:nvPr/>
+        </p:nvPicPr>
+        <p:blipFill>
+          <a:blip r:embed="rId3">
+            <a:extLst>
+              <a:ext uri="{28A0092B-C50C-407E-A947-70E740481C1C}">
+                <a14:useLocalDpi xmlns:a14="http://schemas.microsoft.com/office/drawing/2010/main" val="0"/>
+              </a:ext>
+            </a:extLst>
+          </a:blip>
+          <a:stretch>
+            <a:fillRect/>
+          </a:stretch>
+        </p:blipFill>
+        <p:spPr>
+          <a:xfrm>
+            <a:off x="1242204" y="1168004"/>
+            <a:ext cx="3053556" cy="3656318"/>
+          </a:xfrm>
+          <a:prstGeom prst="rect">
+            <a:avLst/>
+          </a:prstGeom>
+        </p:spPr>
+      </p:pic>
+      <p:sp>
+        <p:nvSpPr>
+          <p:cNvPr id="9" name="文本框 8">
+            <a:extLst>
+              <a:ext uri="{FF2B5EF4-FFF2-40B4-BE49-F238E27FC236}">
+                <a16:creationId xmlns:a16="http://schemas.microsoft.com/office/drawing/2014/main" id="{DE79BFA9-FFAE-5242-B5E5-ED330DB20063}"/>
               </a:ext>
             </a:extLst>
           </p:cNvPr>
@@ -12147,8 +12268,92 @@
         </p:nvSpPr>
         <p:spPr>
           <a:xfrm>
-            <a:off x="327803" y="850622"/>
-            <a:ext cx="4572000" cy="300082"/>
+            <a:off x="4658264" y="2389517"/>
+            <a:ext cx="1915909" cy="300082"/>
+          </a:xfrm>
+          <a:prstGeom prst="rect">
+            <a:avLst/>
+          </a:prstGeom>
+          <a:noFill/>
+        </p:spPr>
+        <p:txBody>
+          <a:bodyPr wrap="none" rtlCol="0">
+            <a:spAutoFit/>
+          </a:bodyPr>
+          <a:lstStyle/>
+          <a:p>
+            <a:r>
+              <a:rPr lang="zh-CN" altLang="en-US" b="0" i="0" dirty="0">
+                <a:solidFill>
+                  <a:srgbClr val="4D4D4D"/>
+                </a:solidFill>
+                <a:effectLst/>
+                <a:latin typeface="-apple-system"/>
+              </a:rPr>
+              <a:t>一些统计功能的算子。</a:t>
+            </a:r>
+            <a:endParaRPr kumimoji="1" lang="zh-CN" altLang="en-US" dirty="0"/>
+          </a:p>
+        </p:txBody>
+      </p:sp>
+      <p:sp>
+        <p:nvSpPr>
+          <p:cNvPr id="11" name="文本框 10">
+            <a:extLst>
+              <a:ext uri="{FF2B5EF4-FFF2-40B4-BE49-F238E27FC236}">
+                <a16:creationId xmlns:a16="http://schemas.microsoft.com/office/drawing/2014/main" id="{F2072907-9F54-1C41-A06A-DD67B2311318}"/>
+              </a:ext>
+            </a:extLst>
+          </p:cNvPr>
+          <p:cNvSpPr txBox="1"/>
+          <p:nvPr/>
+        </p:nvSpPr>
+        <p:spPr>
+          <a:xfrm>
+            <a:off x="4658264" y="1587262"/>
+            <a:ext cx="3856008" cy="507831"/>
+          </a:xfrm>
+          <a:prstGeom prst="rect">
+            <a:avLst/>
+          </a:prstGeom>
+          <a:noFill/>
+        </p:spPr>
+        <p:txBody>
+          <a:bodyPr wrap="square" rtlCol="0">
+            <a:spAutoFit/>
+          </a:bodyPr>
+          <a:lstStyle/>
+          <a:p>
+            <a:r>
+              <a:rPr lang="zh-CN" altLang="en-US" b="0" i="0" dirty="0">
+                <a:solidFill>
+                  <a:srgbClr val="4D4D4D"/>
+                </a:solidFill>
+                <a:effectLst/>
+                <a:latin typeface="-apple-system"/>
+              </a:rPr>
+              <a:t>转换函数，可用于处理大部分通用性用户场；常见的如聚集、过滤等。</a:t>
+            </a:r>
+            <a:endParaRPr kumimoji="1" lang="zh-CN" altLang="en-US" dirty="0"/>
+          </a:p>
+        </p:txBody>
+      </p:sp>
+      <p:sp>
+        <p:nvSpPr>
+          <p:cNvPr id="14" name="文本框 13">
+            <a:extLst>
+              <a:ext uri="{FF2B5EF4-FFF2-40B4-BE49-F238E27FC236}">
+                <a16:creationId xmlns:a16="http://schemas.microsoft.com/office/drawing/2014/main" id="{ED493BE3-F95F-694F-B0AB-5054FD04D91F}"/>
+              </a:ext>
+            </a:extLst>
+          </p:cNvPr>
+          <p:cNvSpPr txBox="1"/>
+          <p:nvPr/>
+        </p:nvSpPr>
+        <p:spPr>
+          <a:xfrm>
+            <a:off x="4710022" y="3239783"/>
+            <a:ext cx="3907766" cy="507831"/>
           </a:xfrm>
           <a:prstGeom prst="rect">
             <a:avLst/>
@@ -12162,21 +12367,16 @@
           <a:lstStyle/>
           <a:p>
             <a:r>
-              <a:rPr lang="en-US" altLang="zh-CN" dirty="0"/>
-              <a:t>-</a:t>
-            </a:r>
-            <a:r>
-              <a:rPr lang="zh-CN" altLang="en-US" dirty="0"/>
-              <a:t> </a:t>
-            </a:r>
-            <a:r>
-              <a:rPr lang="en-US" altLang="zh-CN" dirty="0"/>
-              <a:t>P</a:t>
-            </a:r>
-            <a:r>
-              <a:rPr lang="zh-CN" altLang="en-US" dirty="0"/>
-              <a:t>artitioner</a:t>
-            </a:r>
+              <a:rPr lang="zh-CN" altLang="en-US" b="0" i="0" dirty="0">
+                <a:solidFill>
+                  <a:srgbClr val="4D4D4D"/>
+                </a:solidFill>
+                <a:effectLst/>
+                <a:latin typeface="-apple-system"/>
+              </a:rPr>
+              <a:t>完成对数据集进行连接的功能，或执行其他关系型代数函数。</a:t>
+            </a:r>
+            <a:endParaRPr lang="zh-CN" altLang="en-US" dirty="0"/>
           </a:p>
         </p:txBody>
       </p:sp>
@@ -12185,7 +12385,7 @@
           <p:cNvPr id="16" name="文本框 15">
             <a:extLst>
               <a:ext uri="{FF2B5EF4-FFF2-40B4-BE49-F238E27FC236}">
-                <a16:creationId xmlns:a16="http://schemas.microsoft.com/office/drawing/2014/main" id="{FCF20D52-B260-2F42-A989-7CABB933EB8D}"/>
+                <a16:creationId xmlns:a16="http://schemas.microsoft.com/office/drawing/2014/main" id="{8AE845F8-8762-D844-B02B-EFB6FCE89E3E}"/>
               </a:ext>
             </a:extLst>
           </p:cNvPr>
@@ -12194,8 +12394,8 @@
         </p:nvSpPr>
         <p:spPr>
           <a:xfrm>
-            <a:off x="655606" y="1583510"/>
-            <a:ext cx="4572000" cy="507831"/>
+            <a:off x="4701396" y="4088921"/>
+            <a:ext cx="4011283" cy="715581"/>
           </a:xfrm>
           <a:prstGeom prst="rect">
             <a:avLst/>
@@ -12203,244 +12403,89 @@
           <a:noFill/>
         </p:spPr>
         <p:txBody>
-          <a:bodyPr wrap="square">
+          <a:bodyPr wrap="square" rtlCol="0">
             <a:spAutoFit/>
           </a:bodyPr>
           <a:lstStyle/>
           <a:p>
-            <a:pPr marL="285750" indent="-285750">
-              <a:buFont typeface="Arial" panose="020B0604020202020204" pitchFamily="34" charset="0"/>
-              <a:buChar char="•"/>
-            </a:pPr>
             <a:r>
               <a:rPr lang="zh-CN" altLang="en-US" b="0" i="0" dirty="0">
+                <a:solidFill>
+                  <a:srgbClr val="4D4D4D"/>
+                </a:solidFill>
                 <a:effectLst/>
                 <a:latin typeface="-apple-system"/>
               </a:rPr>
-              <a:t>基于哈希的</a:t>
-            </a:r>
-            <a:r>
-              <a:rPr lang="en" altLang="zh-CN" b="0" i="0" dirty="0" err="1">
+              <a:t>用于操作</a:t>
+            </a:r>
+            <a:r>
+              <a:rPr lang="en" altLang="zh-CN" b="0" i="0" dirty="0">
+                <a:solidFill>
+                  <a:srgbClr val="4D4D4D"/>
+                </a:solidFill>
                 <a:effectLst/>
                 <a:latin typeface="-apple-system"/>
               </a:rPr>
-              <a:t>HashPartitioner</a:t>
-            </a:r>
-            <a:endParaRPr lang="en-US" altLang="zh-CN" dirty="0">
-              <a:latin typeface="-apple-system"/>
-            </a:endParaRPr>
-          </a:p>
-          <a:p>
-            <a:pPr marL="285750" indent="-285750">
-              <a:buFont typeface="Arial" panose="020B0604020202020204" pitchFamily="34" charset="0"/>
-              <a:buChar char="•"/>
-            </a:pPr>
+              <a:t>RDD</a:t>
+            </a:r>
             <a:r>
               <a:rPr lang="zh-CN" altLang="en-US" b="0" i="0" dirty="0">
+                <a:solidFill>
+                  <a:srgbClr val="4D4D4D"/>
+                </a:solidFill>
                 <a:effectLst/>
                 <a:latin typeface="-apple-system"/>
               </a:rPr>
-              <a:t>基于范围的</a:t>
-            </a:r>
-            <a:r>
-              <a:rPr lang="en" altLang="zh-CN" b="0" i="0" dirty="0" err="1">
+              <a:t>底层数据或</a:t>
+            </a:r>
+            <a:r>
+              <a:rPr lang="en" altLang="zh-CN" b="0" i="0" dirty="0">
+                <a:solidFill>
+                  <a:srgbClr val="4D4D4D"/>
+                </a:solidFill>
                 <a:effectLst/>
                 <a:latin typeface="-apple-system"/>
               </a:rPr>
-              <a:t>RangePartitioner</a:t>
-            </a:r>
-            <a:endParaRPr lang="zh-CN" altLang="en-US" dirty="0"/>
-          </a:p>
-        </p:txBody>
-      </p:sp>
-      <p:sp>
-        <p:nvSpPr>
-          <p:cNvPr id="17" name="文本框 16">
-            <a:extLst>
-              <a:ext uri="{FF2B5EF4-FFF2-40B4-BE49-F238E27FC236}">
-                <a16:creationId xmlns:a16="http://schemas.microsoft.com/office/drawing/2014/main" id="{73FA822B-A7B3-D545-813F-80320BD39C5A}"/>
-              </a:ext>
-            </a:extLst>
-          </p:cNvPr>
-          <p:cNvSpPr txBox="1"/>
-          <p:nvPr/>
-        </p:nvSpPr>
-        <p:spPr>
-          <a:xfrm>
-            <a:off x="738996" y="1089285"/>
-            <a:ext cx="4572000" cy="253916"/>
-          </a:xfrm>
-          <a:prstGeom prst="rect">
-            <a:avLst/>
-          </a:prstGeom>
-          <a:noFill/>
-        </p:spPr>
-        <p:txBody>
-          <a:bodyPr wrap="square">
-            <a:spAutoFit/>
-          </a:bodyPr>
-          <a:lstStyle/>
-          <a:p>
-            <a:r>
-              <a:rPr lang="zh-CN" altLang="en-US" sz="1050" dirty="0"/>
-              <a:t>只有</a:t>
-            </a:r>
-            <a:r>
-              <a:rPr lang="en-US" altLang="zh-CN" sz="1050" dirty="0"/>
-              <a:t>Key-Value</a:t>
-            </a:r>
-            <a:r>
-              <a:rPr lang="zh-CN" altLang="en-US" sz="1050" dirty="0"/>
-              <a:t>结构的</a:t>
-            </a:r>
-            <a:r>
-              <a:rPr lang="en-US" altLang="zh-CN" sz="1050" dirty="0"/>
               <a:t>RDD</a:t>
             </a:r>
             <a:r>
-              <a:rPr lang="zh-CN" altLang="en-US" sz="1050" dirty="0"/>
-              <a:t>才会有</a:t>
-            </a:r>
-            <a:r>
-              <a:rPr lang="en-US" altLang="zh-CN" sz="1050" dirty="0"/>
-              <a:t>Partitioner</a:t>
-            </a:r>
-            <a:endParaRPr lang="zh-CN" altLang="en-US" sz="1050" dirty="0"/>
-          </a:p>
-        </p:txBody>
-      </p:sp>
-      <p:sp>
-        <p:nvSpPr>
-          <p:cNvPr id="18" name="文本框 17">
-            <a:extLst>
-              <a:ext uri="{FF2B5EF4-FFF2-40B4-BE49-F238E27FC236}">
-                <a16:creationId xmlns:a16="http://schemas.microsoft.com/office/drawing/2014/main" id="{4376F51A-9FAA-E94F-B782-E21DF257A5BC}"/>
-              </a:ext>
-            </a:extLst>
-          </p:cNvPr>
-          <p:cNvSpPr txBox="1"/>
-          <p:nvPr/>
-        </p:nvSpPr>
-        <p:spPr>
-          <a:xfrm>
-            <a:off x="370936" y="2757061"/>
-            <a:ext cx="4572000" cy="300082"/>
-          </a:xfrm>
-          <a:prstGeom prst="rect">
-            <a:avLst/>
-          </a:prstGeom>
-          <a:noFill/>
-        </p:spPr>
-        <p:txBody>
-          <a:bodyPr wrap="square">
-            <a:spAutoFit/>
-          </a:bodyPr>
-          <a:lstStyle/>
-          <a:p>
-            <a:r>
-              <a:rPr lang="en-US" altLang="zh-CN" dirty="0"/>
-              <a:t>-</a:t>
-            </a:r>
-            <a:r>
-              <a:rPr lang="zh-CN" altLang="en-US" dirty="0"/>
-              <a:t> </a:t>
-            </a:r>
-            <a:r>
-              <a:rPr lang="en-US" altLang="zh-CN" dirty="0"/>
-              <a:t>P</a:t>
-            </a:r>
-            <a:r>
-              <a:rPr lang="zh-CN" altLang="en-US" dirty="0"/>
-              <a:t>artitions</a:t>
-            </a:r>
-          </a:p>
-        </p:txBody>
-      </p:sp>
-      <p:sp>
-        <p:nvSpPr>
-          <p:cNvPr id="19" name="文本框 18">
-            <a:extLst>
-              <a:ext uri="{FF2B5EF4-FFF2-40B4-BE49-F238E27FC236}">
-                <a16:creationId xmlns:a16="http://schemas.microsoft.com/office/drawing/2014/main" id="{EA1DB667-A5B6-6B4F-BB1A-50702980C7BD}"/>
-              </a:ext>
-            </a:extLst>
-          </p:cNvPr>
-          <p:cNvSpPr txBox="1"/>
-          <p:nvPr/>
-        </p:nvSpPr>
-        <p:spPr>
-          <a:xfrm>
-            <a:off x="664233" y="3195936"/>
-            <a:ext cx="7582619" cy="507831"/>
-          </a:xfrm>
-          <a:prstGeom prst="rect">
-            <a:avLst/>
-          </a:prstGeom>
-          <a:noFill/>
-        </p:spPr>
-        <p:txBody>
-          <a:bodyPr wrap="square">
-            <a:spAutoFit/>
-          </a:bodyPr>
-          <a:lstStyle/>
-          <a:p>
-            <a:r>
               <a:rPr lang="zh-CN" altLang="en-US" b="0" i="0" dirty="0">
+                <a:solidFill>
+                  <a:srgbClr val="4D4D4D"/>
+                </a:solidFill>
                 <a:effectLst/>
                 <a:latin typeface="-apple-system"/>
               </a:rPr>
-              <a:t>每个分片都会被一个计算任务处理，并决定并行计算的粒度。用户可以在创建</a:t>
+              <a:t>分区，可以操作分区而不用接触</a:t>
             </a:r>
             <a:r>
               <a:rPr lang="en" altLang="zh-CN" b="0" i="0" dirty="0">
+                <a:solidFill>
+                  <a:srgbClr val="4D4D4D"/>
+                </a:solidFill>
                 <a:effectLst/>
                 <a:latin typeface="-apple-system"/>
               </a:rPr>
-              <a:t>RDD </a:t>
+              <a:t>RDD</a:t>
             </a:r>
             <a:r>
               <a:rPr lang="zh-CN" altLang="en-US" b="0" i="0" dirty="0">
+                <a:solidFill>
+                  <a:srgbClr val="4D4D4D"/>
+                </a:solidFill>
                 <a:effectLst/>
                 <a:latin typeface="-apple-system"/>
               </a:rPr>
-              <a:t>时指定</a:t>
-            </a:r>
-            <a:r>
-              <a:rPr lang="en" altLang="zh-CN" b="0" i="0" dirty="0">
-                <a:effectLst/>
-                <a:latin typeface="-apple-system"/>
-              </a:rPr>
-              <a:t>RDD </a:t>
-            </a:r>
-            <a:r>
-              <a:rPr lang="zh-CN" altLang="en-US" b="0" i="0" dirty="0">
-                <a:effectLst/>
-                <a:latin typeface="-apple-system"/>
-              </a:rPr>
-              <a:t>的分片个数，如果没有指定，那么就会采用默认值。默认值就是程序所分配到的</a:t>
-            </a:r>
-            <a:r>
-              <a:rPr lang="en" altLang="zh-CN" b="0" i="0" dirty="0">
-                <a:effectLst/>
-                <a:latin typeface="-apple-system"/>
-              </a:rPr>
-              <a:t>CPU Core</a:t>
-            </a:r>
-            <a:r>
-              <a:rPr lang="zh-CN" altLang="en-US" b="0" i="0" dirty="0">
-                <a:effectLst/>
-                <a:latin typeface="-apple-system"/>
-              </a:rPr>
-              <a:t>的数目。</a:t>
-            </a:r>
-            <a:endParaRPr lang="zh-CN" altLang="en-US" dirty="0"/>
+              <a:t>内部的数据或元素，重新优化分区来提高性能</a:t>
+            </a:r>
+            <a:endParaRPr kumimoji="1" lang="zh-CN" altLang="en-US" dirty="0"/>
           </a:p>
         </p:txBody>
       </p:sp>
     </p:spTree>
     <p:extLst>
       <p:ext uri="{BB962C8B-B14F-4D97-AF65-F5344CB8AC3E}">
-        <p14:creationId xmlns:p14="http://schemas.microsoft.com/office/powerpoint/2010/main" val="2551155679"/>
+        <p14:creationId xmlns:p14="http://schemas.microsoft.com/office/powerpoint/2010/main" val="4026640988"/>
       </p:ext>
     </p:extLst>
   </p:cSld>
@@ -12486,7 +12531,7 @@
         <p:spPr bwMode="auto">
           <a:xfrm>
             <a:off x="934511" y="183664"/>
-            <a:ext cx="3287951" cy="338554"/>
+            <a:ext cx="2476832" cy="338554"/>
           </a:xfrm>
           <a:prstGeom prst="rect">
             <a:avLst/>
@@ -12670,7 +12715,7 @@
                 <a:cs typeface="+mn-ea"/>
                 <a:sym typeface="+mn-lt"/>
               </a:rPr>
-              <a:t>Transformation</a:t>
+              <a:t>Action</a:t>
             </a:r>
             <a:endParaRPr lang="zh-CN" altLang="en-US" sz="1600" dirty="0">
               <a:solidFill>
@@ -12719,10 +12764,975 @@
           </a:fontRef>
         </p:style>
       </p:cxnSp>
+      <p:sp>
+        <p:nvSpPr>
+          <p:cNvPr id="6" name="矩形 5">
+            <a:extLst>
+              <a:ext uri="{FF2B5EF4-FFF2-40B4-BE49-F238E27FC236}">
+                <a16:creationId xmlns:a16="http://schemas.microsoft.com/office/drawing/2014/main" id="{86A41FEF-9A73-644E-A892-4C41FCF5B0BB}"/>
+              </a:ext>
+            </a:extLst>
+          </p:cNvPr>
+          <p:cNvSpPr/>
+          <p:nvPr/>
+        </p:nvSpPr>
+        <p:spPr>
+          <a:xfrm>
+            <a:off x="934510" y="541316"/>
+            <a:ext cx="5451299" cy="230832"/>
+          </a:xfrm>
+          <a:prstGeom prst="rect">
+            <a:avLst/>
+          </a:prstGeom>
+        </p:spPr>
+        <p:txBody>
+          <a:bodyPr wrap="square">
+            <a:spAutoFit/>
+          </a:bodyPr>
+          <a:lstStyle/>
+          <a:p>
+            <a:pPr algn="l"/>
+            <a:r>
+              <a:rPr lang="en" altLang="zh-CN" sz="900" b="0" i="0" dirty="0">
+                <a:solidFill>
+                  <a:srgbClr val="4D4D4D"/>
+                </a:solidFill>
+                <a:effectLst/>
+                <a:latin typeface="Comic Sans MS" panose="030F0902030302020204" pitchFamily="66" charset="0"/>
+              </a:rPr>
+              <a:t>RDD</a:t>
+            </a:r>
+            <a:r>
+              <a:rPr lang="zh-CN" altLang="en-US" sz="900" b="0" i="0" dirty="0">
+                <a:solidFill>
+                  <a:srgbClr val="4D4D4D"/>
+                </a:solidFill>
+                <a:effectLst/>
+                <a:latin typeface="Comic Sans MS" panose="030F0902030302020204" pitchFamily="66" charset="0"/>
+              </a:rPr>
+              <a:t>到</a:t>
+            </a:r>
+            <a:r>
+              <a:rPr lang="en" altLang="zh-CN" sz="900" b="0" i="0" dirty="0">
+                <a:solidFill>
+                  <a:srgbClr val="4D4D4D"/>
+                </a:solidFill>
+                <a:effectLst/>
+                <a:latin typeface="Comic Sans MS" panose="030F0902030302020204" pitchFamily="66" charset="0"/>
+              </a:rPr>
+              <a:t>result</a:t>
+            </a:r>
+            <a:r>
+              <a:rPr lang="zh-CN" altLang="en-US" sz="900" dirty="0">
+                <a:solidFill>
+                  <a:srgbClr val="4D4D4D"/>
+                </a:solidFill>
+                <a:latin typeface="Comic Sans MS" panose="030F0902030302020204" pitchFamily="66" charset="0"/>
+              </a:rPr>
+              <a:t>，</a:t>
+            </a:r>
+            <a:r>
+              <a:rPr lang="zh-CN" altLang="en-US" sz="900" b="0" i="0" dirty="0">
+                <a:solidFill>
+                  <a:srgbClr val="4D4D4D"/>
+                </a:solidFill>
+                <a:effectLst/>
+                <a:latin typeface="Comic Sans MS" panose="030F0902030302020204" pitchFamily="66" charset="0"/>
+              </a:rPr>
+              <a:t>触发</a:t>
+            </a:r>
+            <a:r>
+              <a:rPr lang="en" altLang="zh-CN" sz="900" b="0" i="0" dirty="0">
+                <a:solidFill>
+                  <a:srgbClr val="4D4D4D"/>
+                </a:solidFill>
+                <a:effectLst/>
+                <a:latin typeface="Comic Sans MS" panose="030F0902030302020204" pitchFamily="66" charset="0"/>
+              </a:rPr>
+              <a:t>Spark job</a:t>
+            </a:r>
+            <a:endParaRPr lang="en" altLang="zh-CN" sz="900" b="0" i="0" dirty="0">
+              <a:solidFill>
+                <a:srgbClr val="4D4D4D"/>
+              </a:solidFill>
+              <a:effectLst/>
+              <a:latin typeface="-apple-system"/>
+            </a:endParaRPr>
+          </a:p>
+        </p:txBody>
+      </p:sp>
+      <p:sp>
+        <p:nvSpPr>
+          <p:cNvPr id="11" name="文本框 10">
+            <a:extLst>
+              <a:ext uri="{FF2B5EF4-FFF2-40B4-BE49-F238E27FC236}">
+                <a16:creationId xmlns:a16="http://schemas.microsoft.com/office/drawing/2014/main" id="{1368C904-8BCA-7341-92C8-4D4BDBD6051F}"/>
+              </a:ext>
+            </a:extLst>
+          </p:cNvPr>
+          <p:cNvSpPr txBox="1"/>
+          <p:nvPr/>
+        </p:nvSpPr>
+        <p:spPr>
+          <a:xfrm>
+            <a:off x="871267" y="927545"/>
+            <a:ext cx="7548113" cy="507831"/>
+          </a:xfrm>
+          <a:prstGeom prst="rect">
+            <a:avLst/>
+          </a:prstGeom>
+          <a:noFill/>
+        </p:spPr>
+        <p:txBody>
+          <a:bodyPr wrap="square">
+            <a:spAutoFit/>
+          </a:bodyPr>
+          <a:lstStyle/>
+          <a:p>
+            <a:r>
+              <a:rPr lang="en" altLang="zh-CN" b="0" i="0" dirty="0">
+                <a:solidFill>
+                  <a:srgbClr val="4D4D4D"/>
+                </a:solidFill>
+                <a:effectLst/>
+                <a:latin typeface="-apple-system"/>
+              </a:rPr>
+              <a:t>Action</a:t>
+            </a:r>
+            <a:r>
+              <a:rPr lang="zh-CN" altLang="en-US" b="0" i="0" dirty="0">
+                <a:solidFill>
+                  <a:srgbClr val="4D4D4D"/>
+                </a:solidFill>
+                <a:effectLst/>
+                <a:latin typeface="-apple-system"/>
+              </a:rPr>
+              <a:t>操作会对 </a:t>
+            </a:r>
+            <a:r>
+              <a:rPr lang="en" altLang="zh-CN" b="0" i="0" dirty="0">
+                <a:solidFill>
+                  <a:srgbClr val="4D4D4D"/>
+                </a:solidFill>
+                <a:effectLst/>
+                <a:latin typeface="-apple-system"/>
+              </a:rPr>
+              <a:t>RDD </a:t>
+            </a:r>
+            <a:r>
+              <a:rPr lang="zh-CN" altLang="en-US" b="0" i="0" dirty="0">
+                <a:solidFill>
+                  <a:srgbClr val="4D4D4D"/>
+                </a:solidFill>
+                <a:effectLst/>
+                <a:latin typeface="-apple-system"/>
+              </a:rPr>
+              <a:t>计算出一个结果，并把结果返回到驱动器程序</a:t>
+            </a:r>
+            <a:r>
+              <a:rPr lang="en" altLang="zh-CN" b="0" i="0" dirty="0">
+                <a:solidFill>
+                  <a:srgbClr val="4D4D4D"/>
+                </a:solidFill>
+                <a:effectLst/>
+                <a:latin typeface="-apple-system"/>
+              </a:rPr>
+              <a:t>Driver</a:t>
+            </a:r>
+            <a:r>
+              <a:rPr lang="zh-CN" altLang="en-US" b="0" i="0" dirty="0">
+                <a:solidFill>
+                  <a:srgbClr val="4D4D4D"/>
+                </a:solidFill>
+                <a:effectLst/>
+                <a:latin typeface="-apple-system"/>
+              </a:rPr>
+              <a:t>中，或把结果存储到外部存储系统（如 </a:t>
+            </a:r>
+            <a:r>
+              <a:rPr lang="en" altLang="zh-CN" b="0" i="0" dirty="0">
+                <a:solidFill>
+                  <a:srgbClr val="4D4D4D"/>
+                </a:solidFill>
+                <a:effectLst/>
+                <a:latin typeface="-apple-system"/>
+              </a:rPr>
+              <a:t>HDFS</a:t>
+            </a:r>
+            <a:r>
+              <a:rPr lang="zh-CN" altLang="en" b="0" i="0" dirty="0">
+                <a:solidFill>
+                  <a:srgbClr val="4D4D4D"/>
+                </a:solidFill>
+                <a:effectLst/>
+                <a:latin typeface="-apple-system"/>
+              </a:rPr>
+              <a:t>）</a:t>
+            </a:r>
+            <a:r>
+              <a:rPr lang="zh-CN" altLang="en-US" b="0" i="0" dirty="0">
+                <a:solidFill>
+                  <a:srgbClr val="4D4D4D"/>
+                </a:solidFill>
+                <a:effectLst/>
+                <a:latin typeface="-apple-system"/>
+              </a:rPr>
+              <a:t>中。</a:t>
+            </a:r>
+            <a:endParaRPr lang="zh-CN" altLang="en-US" dirty="0"/>
+          </a:p>
+        </p:txBody>
+      </p:sp>
+      <p:graphicFrame>
+        <p:nvGraphicFramePr>
+          <p:cNvPr id="8" name="表格 7">
+            <a:extLst>
+              <a:ext uri="{FF2B5EF4-FFF2-40B4-BE49-F238E27FC236}">
+                <a16:creationId xmlns:a16="http://schemas.microsoft.com/office/drawing/2014/main" id="{F214FED0-35F5-E145-A0D2-2A0CCAFE70CA}"/>
+              </a:ext>
+            </a:extLst>
+          </p:cNvPr>
+          <p:cNvGraphicFramePr>
+            <a:graphicFrameLocks noGrp="1"/>
+          </p:cNvGraphicFramePr>
+          <p:nvPr>
+            <p:extLst>
+              <p:ext uri="{D42A27DB-BD31-4B8C-83A1-F6EECF244321}">
+                <p14:modId xmlns:p14="http://schemas.microsoft.com/office/powerpoint/2010/main" val="1195306853"/>
+              </p:ext>
+            </p:extLst>
+          </p:nvPr>
+        </p:nvGraphicFramePr>
+        <p:xfrm>
+          <a:off x="1275991" y="1843599"/>
+          <a:ext cx="6781800" cy="2926080"/>
+        </p:xfrm>
+        <a:graphic>
+          <a:graphicData uri="http://schemas.openxmlformats.org/drawingml/2006/table">
+            <a:tbl>
+              <a:tblPr/>
+              <a:tblGrid>
+                <a:gridCol w="3390900">
+                  <a:extLst>
+                    <a:ext uri="{9D8B030D-6E8A-4147-A177-3AD203B41FA5}">
+                      <a16:colId xmlns:a16="http://schemas.microsoft.com/office/drawing/2014/main" val="3027266584"/>
+                    </a:ext>
+                  </a:extLst>
+                </a:gridCol>
+                <a:gridCol w="3390900">
+                  <a:extLst>
+                    <a:ext uri="{9D8B030D-6E8A-4147-A177-3AD203B41FA5}">
+                      <a16:colId xmlns:a16="http://schemas.microsoft.com/office/drawing/2014/main" val="955182878"/>
+                    </a:ext>
+                  </a:extLst>
+                </a:gridCol>
+              </a:tblGrid>
+              <a:tr h="0">
+                <a:tc>
+                  <a:txBody>
+                    <a:bodyPr/>
+                    <a:lstStyle/>
+                    <a:p>
+                      <a:pPr fontAlgn="ctr" latinLnBrk="0"/>
+                      <a:r>
+                        <a:rPr lang="zh-CN" altLang="en-US" b="0">
+                          <a:solidFill>
+                            <a:schemeClr val="tx1"/>
+                          </a:solidFill>
+                          <a:effectLst/>
+                          <a:latin typeface="+mj-ea"/>
+                          <a:ea typeface="+mj-ea"/>
+                        </a:rPr>
+                        <a:t>无输出</a:t>
+                      </a:r>
+                    </a:p>
+                  </a:txBody>
+                  <a:tcPr marL="76200" marR="76200" marT="76200" marB="76200" anchor="ctr">
+                    <a:lnL w="9525" cap="flat" cmpd="sng" algn="ctr">
+                      <a:solidFill>
+                        <a:srgbClr val="DDDDDD"/>
+                      </a:solidFill>
+                      <a:prstDash val="solid"/>
+                      <a:round/>
+                      <a:headEnd type="none" w="med" len="med"/>
+                      <a:tailEnd type="none" w="med" len="med"/>
+                    </a:lnL>
+                    <a:lnR w="9525" cap="flat" cmpd="sng" algn="ctr">
+                      <a:solidFill>
+                        <a:srgbClr val="DDDDDD"/>
+                      </a:solidFill>
+                      <a:prstDash val="solid"/>
+                      <a:round/>
+                      <a:headEnd type="none" w="med" len="med"/>
+                      <a:tailEnd type="none" w="med" len="med"/>
+                    </a:lnR>
+                    <a:lnT w="9525" cap="flat" cmpd="sng" algn="ctr">
+                      <a:solidFill>
+                        <a:srgbClr val="DDDDDD"/>
+                      </a:solidFill>
+                      <a:prstDash val="solid"/>
+                      <a:round/>
+                      <a:headEnd type="none" w="med" len="med"/>
+                      <a:tailEnd type="none" w="med" len="med"/>
+                    </a:lnT>
+                    <a:lnB w="9525" cap="flat" cmpd="sng" algn="ctr">
+                      <a:solidFill>
+                        <a:srgbClr val="DDDDDD"/>
+                      </a:solidFill>
+                      <a:prstDash val="solid"/>
+                      <a:round/>
+                      <a:headEnd type="none" w="med" len="med"/>
+                      <a:tailEnd type="none" w="med" len="med"/>
+                    </a:lnB>
+                    <a:solidFill>
+                      <a:srgbClr val="FFFFFF"/>
+                    </a:solidFill>
+                  </a:tcPr>
+                </a:tc>
+                <a:tc>
+                  <a:txBody>
+                    <a:bodyPr/>
+                    <a:lstStyle/>
+                    <a:p>
+                      <a:pPr fontAlgn="ctr" latinLnBrk="0"/>
+                      <a:r>
+                        <a:rPr lang="en" b="0">
+                          <a:solidFill>
+                            <a:schemeClr val="tx1"/>
+                          </a:solidFill>
+                          <a:effectLst/>
+                          <a:latin typeface="+mj-ea"/>
+                          <a:ea typeface="+mj-ea"/>
+                        </a:rPr>
+                        <a:t>foreach</a:t>
+                      </a:r>
+                    </a:p>
+                  </a:txBody>
+                  <a:tcPr marL="76200" marR="76200" marT="76200" marB="76200" anchor="ctr">
+                    <a:lnL w="9525" cap="flat" cmpd="sng" algn="ctr">
+                      <a:solidFill>
+                        <a:srgbClr val="DDDDDD"/>
+                      </a:solidFill>
+                      <a:prstDash val="solid"/>
+                      <a:round/>
+                      <a:headEnd type="none" w="med" len="med"/>
+                      <a:tailEnd type="none" w="med" len="med"/>
+                    </a:lnL>
+                    <a:lnR w="9525" cap="flat" cmpd="sng" algn="ctr">
+                      <a:solidFill>
+                        <a:srgbClr val="DDDDDD"/>
+                      </a:solidFill>
+                      <a:prstDash val="solid"/>
+                      <a:round/>
+                      <a:headEnd type="none" w="med" len="med"/>
+                      <a:tailEnd type="none" w="med" len="med"/>
+                    </a:lnR>
+                    <a:lnT w="9525" cap="flat" cmpd="sng" algn="ctr">
+                      <a:solidFill>
+                        <a:srgbClr val="DDDDDD"/>
+                      </a:solidFill>
+                      <a:prstDash val="solid"/>
+                      <a:round/>
+                      <a:headEnd type="none" w="med" len="med"/>
+                      <a:tailEnd type="none" w="med" len="med"/>
+                    </a:lnT>
+                    <a:lnB w="9525" cap="flat" cmpd="sng" algn="ctr">
+                      <a:solidFill>
+                        <a:srgbClr val="DDDDDD"/>
+                      </a:solidFill>
+                      <a:prstDash val="solid"/>
+                      <a:round/>
+                      <a:headEnd type="none" w="med" len="med"/>
+                      <a:tailEnd type="none" w="med" len="med"/>
+                    </a:lnB>
+                    <a:solidFill>
+                      <a:srgbClr val="FFFFFF"/>
+                    </a:solidFill>
+                  </a:tcPr>
+                </a:tc>
+                <a:extLst>
+                  <a:ext uri="{0D108BD9-81ED-4DB2-BD59-A6C34878D82A}">
+                    <a16:rowId xmlns:a16="http://schemas.microsoft.com/office/drawing/2014/main" val="1403399226"/>
+                  </a:ext>
+                </a:extLst>
+              </a:tr>
+              <a:tr h="0">
+                <a:tc>
+                  <a:txBody>
+                    <a:bodyPr/>
+                    <a:lstStyle/>
+                    <a:p>
+                      <a:pPr fontAlgn="ctr" latinLnBrk="0"/>
+                      <a:r>
+                        <a:rPr lang="en" b="0" dirty="0">
+                          <a:solidFill>
+                            <a:schemeClr val="tx1"/>
+                          </a:solidFill>
+                          <a:effectLst/>
+                          <a:latin typeface="+mj-ea"/>
+                          <a:ea typeface="+mj-ea"/>
+                        </a:rPr>
+                        <a:t>HDFS</a:t>
+                      </a:r>
+                    </a:p>
+                  </a:txBody>
+                  <a:tcPr marL="76200" marR="76200" marT="76200" marB="76200" anchor="ctr">
+                    <a:lnL w="9525" cap="flat" cmpd="sng" algn="ctr">
+                      <a:solidFill>
+                        <a:srgbClr val="DDDDDD"/>
+                      </a:solidFill>
+                      <a:prstDash val="solid"/>
+                      <a:round/>
+                      <a:headEnd type="none" w="med" len="med"/>
+                      <a:tailEnd type="none" w="med" len="med"/>
+                    </a:lnL>
+                    <a:lnR w="9525" cap="flat" cmpd="sng" algn="ctr">
+                      <a:solidFill>
+                        <a:srgbClr val="DDDDDD"/>
+                      </a:solidFill>
+                      <a:prstDash val="solid"/>
+                      <a:round/>
+                      <a:headEnd type="none" w="med" len="med"/>
+                      <a:tailEnd type="none" w="med" len="med"/>
+                    </a:lnR>
+                    <a:lnT w="9525" cap="flat" cmpd="sng" algn="ctr">
+                      <a:solidFill>
+                        <a:srgbClr val="DDDDDD"/>
+                      </a:solidFill>
+                      <a:prstDash val="solid"/>
+                      <a:round/>
+                      <a:headEnd type="none" w="med" len="med"/>
+                      <a:tailEnd type="none" w="med" len="med"/>
+                    </a:lnT>
+                    <a:lnB w="9525" cap="flat" cmpd="sng" algn="ctr">
+                      <a:solidFill>
+                        <a:srgbClr val="DDDDDD"/>
+                      </a:solidFill>
+                      <a:prstDash val="solid"/>
+                      <a:round/>
+                      <a:headEnd type="none" w="med" len="med"/>
+                      <a:tailEnd type="none" w="med" len="med"/>
+                    </a:lnB>
+                    <a:solidFill>
+                      <a:srgbClr val="F7F7F7"/>
+                    </a:solidFill>
+                  </a:tcPr>
+                </a:tc>
+                <a:tc>
+                  <a:txBody>
+                    <a:bodyPr/>
+                    <a:lstStyle/>
+                    <a:p>
+                      <a:pPr fontAlgn="ctr" latinLnBrk="0"/>
+                      <a:r>
+                        <a:rPr lang="en" b="0" dirty="0" err="1">
+                          <a:solidFill>
+                            <a:schemeClr val="tx1"/>
+                          </a:solidFill>
+                          <a:effectLst/>
+                          <a:latin typeface="+mj-ea"/>
+                          <a:ea typeface="+mj-ea"/>
+                        </a:rPr>
+                        <a:t>saveAsTextFile</a:t>
+                      </a:r>
+                      <a:r>
+                        <a:rPr lang="zh-CN" altLang="en-US" b="0" dirty="0">
+                          <a:solidFill>
+                            <a:schemeClr val="tx1"/>
+                          </a:solidFill>
+                          <a:effectLst/>
+                          <a:latin typeface="+mj-ea"/>
+                          <a:ea typeface="+mj-ea"/>
+                        </a:rPr>
+                        <a:t>，</a:t>
+                      </a:r>
+                      <a:endParaRPr lang="en" b="0" dirty="0">
+                        <a:solidFill>
+                          <a:schemeClr val="tx1"/>
+                        </a:solidFill>
+                        <a:effectLst/>
+                        <a:latin typeface="+mj-ea"/>
+                        <a:ea typeface="+mj-ea"/>
+                      </a:endParaRPr>
+                    </a:p>
+                    <a:p>
+                      <a:pPr marL="0" marR="0" lvl="0" indent="0" algn="l" defTabSz="914400" rtl="0" eaLnBrk="1" fontAlgn="ctr" latinLnBrk="0" hangingPunct="1">
+                        <a:lnSpc>
+                          <a:spcPct val="100000"/>
+                        </a:lnSpc>
+                        <a:spcBef>
+                          <a:spcPts val="0"/>
+                        </a:spcBef>
+                        <a:spcAft>
+                          <a:spcPts val="0"/>
+                        </a:spcAft>
+                        <a:buClrTx/>
+                        <a:buSzTx/>
+                        <a:buFontTx/>
+                        <a:buNone/>
+                        <a:tabLst/>
+                        <a:defRPr/>
+                      </a:pPr>
+                      <a:r>
+                        <a:rPr lang="en" altLang="zh-CN" sz="1800" b="0" i="0" kern="1200" dirty="0" err="1">
+                          <a:solidFill>
+                            <a:schemeClr val="tx1"/>
+                          </a:solidFill>
+                          <a:effectLst/>
+                          <a:latin typeface="+mj-ea"/>
+                          <a:ea typeface="+mj-ea"/>
+                          <a:cs typeface="+mn-cs"/>
+                        </a:rPr>
+                        <a:t>saveAsSequenceFile</a:t>
+                      </a:r>
+                      <a:r>
+                        <a:rPr lang="en" b="0" dirty="0" err="1">
+                          <a:solidFill>
+                            <a:schemeClr val="tx1"/>
+                          </a:solidFill>
+                          <a:effectLst/>
+                          <a:latin typeface="+mj-ea"/>
+                          <a:ea typeface="+mj-ea"/>
+                        </a:rPr>
+                        <a:t>，saveAsObjectFile</a:t>
+                      </a:r>
+                      <a:endParaRPr lang="en" b="0" dirty="0">
+                        <a:solidFill>
+                          <a:schemeClr val="tx1"/>
+                        </a:solidFill>
+                        <a:effectLst/>
+                        <a:latin typeface="+mj-ea"/>
+                        <a:ea typeface="+mj-ea"/>
+                      </a:endParaRPr>
+                    </a:p>
+                  </a:txBody>
+                  <a:tcPr marL="76200" marR="76200" marT="76200" marB="76200" anchor="ctr">
+                    <a:lnL w="9525" cap="flat" cmpd="sng" algn="ctr">
+                      <a:solidFill>
+                        <a:srgbClr val="DDDDDD"/>
+                      </a:solidFill>
+                      <a:prstDash val="solid"/>
+                      <a:round/>
+                      <a:headEnd type="none" w="med" len="med"/>
+                      <a:tailEnd type="none" w="med" len="med"/>
+                    </a:lnL>
+                    <a:lnR w="9525" cap="flat" cmpd="sng" algn="ctr">
+                      <a:solidFill>
+                        <a:srgbClr val="DDDDDD"/>
+                      </a:solidFill>
+                      <a:prstDash val="solid"/>
+                      <a:round/>
+                      <a:headEnd type="none" w="med" len="med"/>
+                      <a:tailEnd type="none" w="med" len="med"/>
+                    </a:lnR>
+                    <a:lnT w="9525" cap="flat" cmpd="sng" algn="ctr">
+                      <a:solidFill>
+                        <a:srgbClr val="DDDDDD"/>
+                      </a:solidFill>
+                      <a:prstDash val="solid"/>
+                      <a:round/>
+                      <a:headEnd type="none" w="med" len="med"/>
+                      <a:tailEnd type="none" w="med" len="med"/>
+                    </a:lnT>
+                    <a:lnB w="9525" cap="flat" cmpd="sng" algn="ctr">
+                      <a:solidFill>
+                        <a:srgbClr val="DDDDDD"/>
+                      </a:solidFill>
+                      <a:prstDash val="solid"/>
+                      <a:round/>
+                      <a:headEnd type="none" w="med" len="med"/>
+                      <a:tailEnd type="none" w="med" len="med"/>
+                    </a:lnB>
+                    <a:solidFill>
+                      <a:srgbClr val="F7F7F7"/>
+                    </a:solidFill>
+                  </a:tcPr>
+                </a:tc>
+                <a:extLst>
+                  <a:ext uri="{0D108BD9-81ED-4DB2-BD59-A6C34878D82A}">
+                    <a16:rowId xmlns:a16="http://schemas.microsoft.com/office/drawing/2014/main" val="4063498510"/>
+                  </a:ext>
+                </a:extLst>
+              </a:tr>
+              <a:tr h="0">
+                <a:tc>
+                  <a:txBody>
+                    <a:bodyPr/>
+                    <a:lstStyle/>
+                    <a:p>
+                      <a:pPr fontAlgn="ctr" latinLnBrk="0"/>
+                      <a:r>
+                        <a:rPr lang="en" b="0" dirty="0">
+                          <a:solidFill>
+                            <a:schemeClr val="tx1"/>
+                          </a:solidFill>
+                          <a:effectLst/>
+                          <a:latin typeface="+mj-ea"/>
+                          <a:ea typeface="+mj-ea"/>
+                        </a:rPr>
+                        <a:t>Scala</a:t>
+                      </a:r>
+                      <a:r>
+                        <a:rPr lang="zh-CN" altLang="en-US" b="0" dirty="0">
+                          <a:solidFill>
+                            <a:schemeClr val="tx1"/>
+                          </a:solidFill>
+                          <a:effectLst/>
+                          <a:latin typeface="+mj-ea"/>
+                          <a:ea typeface="+mj-ea"/>
+                        </a:rPr>
+                        <a:t>集合和数据类型</a:t>
+                      </a:r>
+                    </a:p>
+                  </a:txBody>
+                  <a:tcPr marL="76200" marR="76200" marT="76200" marB="76200" anchor="ctr">
+                    <a:lnL w="9525" cap="flat" cmpd="sng" algn="ctr">
+                      <a:solidFill>
+                        <a:srgbClr val="DDDDDD"/>
+                      </a:solidFill>
+                      <a:prstDash val="solid"/>
+                      <a:round/>
+                      <a:headEnd type="none" w="med" len="med"/>
+                      <a:tailEnd type="none" w="med" len="med"/>
+                    </a:lnL>
+                    <a:lnR w="9525" cap="flat" cmpd="sng" algn="ctr">
+                      <a:solidFill>
+                        <a:srgbClr val="DDDDDD"/>
+                      </a:solidFill>
+                      <a:prstDash val="solid"/>
+                      <a:round/>
+                      <a:headEnd type="none" w="med" len="med"/>
+                      <a:tailEnd type="none" w="med" len="med"/>
+                    </a:lnR>
+                    <a:lnT w="9525" cap="flat" cmpd="sng" algn="ctr">
+                      <a:solidFill>
+                        <a:srgbClr val="DDDDDD"/>
+                      </a:solidFill>
+                      <a:prstDash val="solid"/>
+                      <a:round/>
+                      <a:headEnd type="none" w="med" len="med"/>
+                      <a:tailEnd type="none" w="med" len="med"/>
+                    </a:lnT>
+                    <a:lnB w="9525" cap="flat" cmpd="sng" algn="ctr">
+                      <a:solidFill>
+                        <a:srgbClr val="DDDDDD"/>
+                      </a:solidFill>
+                      <a:prstDash val="solid"/>
+                      <a:round/>
+                      <a:headEnd type="none" w="med" len="med"/>
+                      <a:tailEnd type="none" w="med" len="med"/>
+                    </a:lnB>
+                    <a:solidFill>
+                      <a:srgbClr val="FFFFFF"/>
+                    </a:solidFill>
+                  </a:tcPr>
+                </a:tc>
+                <a:tc>
+                  <a:txBody>
+                    <a:bodyPr/>
+                    <a:lstStyle/>
+                    <a:p>
+                      <a:pPr fontAlgn="ctr" latinLnBrk="0"/>
+                      <a:r>
+                        <a:rPr lang="en" b="0" dirty="0">
+                          <a:solidFill>
+                            <a:schemeClr val="tx1"/>
+                          </a:solidFill>
+                          <a:effectLst/>
+                          <a:latin typeface="+mj-ea"/>
+                          <a:ea typeface="+mj-ea"/>
+                        </a:rPr>
+                        <a:t>Collect</a:t>
+                      </a:r>
+                      <a:r>
+                        <a:rPr lang="zh-CN" altLang="en-US" b="0" dirty="0">
+                          <a:solidFill>
+                            <a:schemeClr val="tx1"/>
+                          </a:solidFill>
+                          <a:effectLst/>
+                          <a:latin typeface="+mj-ea"/>
+                          <a:ea typeface="+mj-ea"/>
+                        </a:rPr>
+                        <a:t>，</a:t>
+                      </a:r>
+                      <a:endParaRPr lang="en-US" altLang="zh-CN" b="0" dirty="0">
+                        <a:solidFill>
+                          <a:schemeClr val="tx1"/>
+                        </a:solidFill>
+                        <a:effectLst/>
+                        <a:latin typeface="+mj-ea"/>
+                        <a:ea typeface="+mj-ea"/>
+                      </a:endParaRPr>
+                    </a:p>
+                    <a:p>
+                      <a:pPr fontAlgn="ctr" latinLnBrk="0"/>
+                      <a:r>
+                        <a:rPr lang="en" b="0" dirty="0" err="1">
+                          <a:solidFill>
+                            <a:schemeClr val="tx1"/>
+                          </a:solidFill>
+                          <a:effectLst/>
+                          <a:latin typeface="+mj-ea"/>
+                          <a:ea typeface="+mj-ea"/>
+                        </a:rPr>
+                        <a:t>collectAsMa</a:t>
+                      </a:r>
+                      <a:r>
+                        <a:rPr lang="en-US" altLang="zh-CN" b="0" dirty="0">
+                          <a:solidFill>
+                            <a:schemeClr val="tx1"/>
+                          </a:solidFill>
+                          <a:effectLst/>
+                          <a:latin typeface="+mj-ea"/>
+                          <a:ea typeface="+mj-ea"/>
+                        </a:rPr>
+                        <a:t>p</a:t>
+                      </a:r>
+                      <a:r>
+                        <a:rPr lang="zh-CN" altLang="en-US" b="0" dirty="0">
+                          <a:solidFill>
+                            <a:schemeClr val="tx1"/>
+                          </a:solidFill>
+                          <a:effectLst/>
+                          <a:latin typeface="+mj-ea"/>
+                          <a:ea typeface="+mj-ea"/>
+                        </a:rPr>
+                        <a:t>，</a:t>
+                      </a:r>
+                      <a:endParaRPr lang="en-US" altLang="zh-CN" b="0" dirty="0">
+                        <a:solidFill>
+                          <a:schemeClr val="tx1"/>
+                        </a:solidFill>
+                        <a:effectLst/>
+                        <a:latin typeface="+mj-ea"/>
+                        <a:ea typeface="+mj-ea"/>
+                      </a:endParaRPr>
+                    </a:p>
+                    <a:p>
+                      <a:pPr fontAlgn="ctr" latinLnBrk="0"/>
+                      <a:r>
+                        <a:rPr lang="en" b="0" dirty="0" err="1">
+                          <a:solidFill>
+                            <a:schemeClr val="tx1"/>
+                          </a:solidFill>
+                          <a:effectLst/>
+                          <a:latin typeface="+mj-ea"/>
+                          <a:ea typeface="+mj-ea"/>
+                        </a:rPr>
+                        <a:t>reduceByKeyLocally</a:t>
+                      </a:r>
+                      <a:r>
+                        <a:rPr lang="zh-CN" altLang="en-US" b="0" dirty="0">
+                          <a:solidFill>
+                            <a:schemeClr val="tx1"/>
+                          </a:solidFill>
+                          <a:effectLst/>
+                          <a:latin typeface="+mj-ea"/>
+                          <a:ea typeface="+mj-ea"/>
+                        </a:rPr>
+                        <a:t>，</a:t>
+                      </a:r>
+                      <a:endParaRPr lang="en" altLang="zh-CN" b="0" dirty="0">
+                        <a:solidFill>
+                          <a:schemeClr val="tx1"/>
+                        </a:solidFill>
+                        <a:effectLst/>
+                        <a:latin typeface="+mj-ea"/>
+                        <a:ea typeface="+mj-ea"/>
+                      </a:endParaRPr>
+                    </a:p>
+                    <a:p>
+                      <a:pPr fontAlgn="ctr" latinLnBrk="0"/>
+                      <a:r>
+                        <a:rPr lang="en" b="0" dirty="0">
+                          <a:solidFill>
+                            <a:schemeClr val="tx1"/>
+                          </a:solidFill>
+                          <a:effectLst/>
+                          <a:latin typeface="+mj-ea"/>
+                          <a:ea typeface="+mj-ea"/>
+                        </a:rPr>
+                        <a:t>Lookup</a:t>
+                      </a:r>
+                      <a:r>
+                        <a:rPr lang="zh-CN" altLang="en-US" b="0" dirty="0">
+                          <a:solidFill>
+                            <a:schemeClr val="tx1"/>
+                          </a:solidFill>
+                          <a:effectLst/>
+                          <a:latin typeface="+mj-ea"/>
+                          <a:ea typeface="+mj-ea"/>
+                        </a:rPr>
+                        <a:t>，</a:t>
+                      </a:r>
+                      <a:r>
+                        <a:rPr lang="en" b="0" dirty="0">
+                          <a:solidFill>
+                            <a:schemeClr val="tx1"/>
+                          </a:solidFill>
+                          <a:effectLst/>
+                          <a:latin typeface="+mj-ea"/>
+                          <a:ea typeface="+mj-ea"/>
+                        </a:rPr>
+                        <a:t>count</a:t>
+                      </a:r>
+                      <a:r>
+                        <a:rPr lang="zh-CN" altLang="en-US" b="0" dirty="0">
+                          <a:solidFill>
+                            <a:schemeClr val="tx1"/>
+                          </a:solidFill>
+                          <a:effectLst/>
+                          <a:latin typeface="+mj-ea"/>
+                          <a:ea typeface="+mj-ea"/>
+                        </a:rPr>
+                        <a:t>，</a:t>
+                      </a:r>
+                      <a:r>
+                        <a:rPr lang="en" b="0" dirty="0">
+                          <a:solidFill>
+                            <a:schemeClr val="tx1"/>
+                          </a:solidFill>
+                          <a:effectLst/>
+                          <a:latin typeface="+mj-ea"/>
+                          <a:ea typeface="+mj-ea"/>
+                        </a:rPr>
+                        <a:t>top</a:t>
+                      </a:r>
+                      <a:r>
+                        <a:rPr lang="zh-CN" altLang="en-US" b="0" dirty="0">
+                          <a:solidFill>
+                            <a:schemeClr val="tx1"/>
+                          </a:solidFill>
+                          <a:effectLst/>
+                          <a:latin typeface="+mj-ea"/>
+                          <a:ea typeface="+mj-ea"/>
+                        </a:rPr>
+                        <a:t>，</a:t>
+                      </a:r>
+                      <a:r>
+                        <a:rPr lang="en-US" altLang="zh-CN" b="0" dirty="0">
+                          <a:solidFill>
+                            <a:schemeClr val="tx1"/>
+                          </a:solidFill>
+                          <a:effectLst/>
+                          <a:latin typeface="+mj-ea"/>
+                          <a:ea typeface="+mj-ea"/>
+                        </a:rPr>
+                        <a:t>r</a:t>
+                      </a:r>
+                      <a:r>
+                        <a:rPr lang="en" b="0" dirty="0">
+                          <a:solidFill>
+                            <a:schemeClr val="tx1"/>
+                          </a:solidFill>
+                          <a:effectLst/>
+                          <a:latin typeface="+mj-ea"/>
+                          <a:ea typeface="+mj-ea"/>
+                        </a:rPr>
+                        <a:t>educe</a:t>
+                      </a:r>
+                      <a:r>
+                        <a:rPr lang="zh-CN" altLang="en-US" b="0" dirty="0">
+                          <a:solidFill>
+                            <a:schemeClr val="tx1"/>
+                          </a:solidFill>
+                          <a:effectLst/>
+                          <a:latin typeface="+mj-ea"/>
+                          <a:ea typeface="+mj-ea"/>
+                        </a:rPr>
+                        <a:t>，</a:t>
+                      </a:r>
+                      <a:r>
+                        <a:rPr lang="en" b="0" dirty="0">
+                          <a:solidFill>
+                            <a:schemeClr val="tx1"/>
+                          </a:solidFill>
+                          <a:effectLst/>
+                          <a:latin typeface="+mj-ea"/>
+                          <a:ea typeface="+mj-ea"/>
+                        </a:rPr>
+                        <a:t> fold</a:t>
+                      </a:r>
+                      <a:r>
+                        <a:rPr lang="zh-CN" altLang="en-US" b="0" dirty="0">
+                          <a:solidFill>
+                            <a:schemeClr val="tx1"/>
+                          </a:solidFill>
+                          <a:effectLst/>
+                          <a:latin typeface="+mj-ea"/>
+                          <a:ea typeface="+mj-ea"/>
+                        </a:rPr>
+                        <a:t>，</a:t>
+                      </a:r>
+                      <a:r>
+                        <a:rPr lang="en" b="0" dirty="0">
+                          <a:solidFill>
+                            <a:schemeClr val="tx1"/>
+                          </a:solidFill>
+                          <a:effectLst/>
+                          <a:latin typeface="+mj-ea"/>
+                          <a:ea typeface="+mj-ea"/>
+                        </a:rPr>
+                        <a:t>aggregate</a:t>
+                      </a:r>
+                    </a:p>
+                  </a:txBody>
+                  <a:tcPr marL="76200" marR="76200" marT="76200" marB="76200" anchor="ctr">
+                    <a:lnL w="9525" cap="flat" cmpd="sng" algn="ctr">
+                      <a:solidFill>
+                        <a:srgbClr val="DDDDDD"/>
+                      </a:solidFill>
+                      <a:prstDash val="solid"/>
+                      <a:round/>
+                      <a:headEnd type="none" w="med" len="med"/>
+                      <a:tailEnd type="none" w="med" len="med"/>
+                    </a:lnL>
+                    <a:lnR w="9525" cap="flat" cmpd="sng" algn="ctr">
+                      <a:solidFill>
+                        <a:srgbClr val="DDDDDD"/>
+                      </a:solidFill>
+                      <a:prstDash val="solid"/>
+                      <a:round/>
+                      <a:headEnd type="none" w="med" len="med"/>
+                      <a:tailEnd type="none" w="med" len="med"/>
+                    </a:lnR>
+                    <a:lnT w="9525" cap="flat" cmpd="sng" algn="ctr">
+                      <a:solidFill>
+                        <a:srgbClr val="DDDDDD"/>
+                      </a:solidFill>
+                      <a:prstDash val="solid"/>
+                      <a:round/>
+                      <a:headEnd type="none" w="med" len="med"/>
+                      <a:tailEnd type="none" w="med" len="med"/>
+                    </a:lnT>
+                    <a:lnB w="9525" cap="flat" cmpd="sng" algn="ctr">
+                      <a:solidFill>
+                        <a:srgbClr val="DDDDDD"/>
+                      </a:solidFill>
+                      <a:prstDash val="solid"/>
+                      <a:round/>
+                      <a:headEnd type="none" w="med" len="med"/>
+                      <a:tailEnd type="none" w="med" len="med"/>
+                    </a:lnB>
+                    <a:solidFill>
+                      <a:srgbClr val="FFFFFF"/>
+                    </a:solidFill>
+                  </a:tcPr>
+                </a:tc>
+                <a:extLst>
+                  <a:ext uri="{0D108BD9-81ED-4DB2-BD59-A6C34878D82A}">
+                    <a16:rowId xmlns:a16="http://schemas.microsoft.com/office/drawing/2014/main" val="1899723881"/>
+                  </a:ext>
+                </a:extLst>
+              </a:tr>
+            </a:tbl>
+          </a:graphicData>
+        </a:graphic>
+      </p:graphicFrame>
     </p:spTree>
     <p:extLst>
       <p:ext uri="{BB962C8B-B14F-4D97-AF65-F5344CB8AC3E}">
-        <p14:creationId xmlns:p14="http://schemas.microsoft.com/office/powerpoint/2010/main" val="4026640988"/>
+        <p14:creationId xmlns:p14="http://schemas.microsoft.com/office/powerpoint/2010/main" val="1650142020"/>
       </p:ext>
     </p:extLst>
   </p:cSld>
@@ -12768,7 +13778,7 @@
         <p:spPr bwMode="auto">
           <a:xfrm>
             <a:off x="934511" y="183664"/>
-            <a:ext cx="2476832" cy="338554"/>
+            <a:ext cx="2739853" cy="338554"/>
           </a:xfrm>
           <a:prstGeom prst="rect">
             <a:avLst/>
@@ -12940,29 +13950,8 @@
                 <a:cs typeface="+mn-ea"/>
                 <a:sym typeface="+mn-lt"/>
               </a:rPr>
-              <a:t> 三类算子 之 </a:t>
-            </a:r>
-            <a:r>
-              <a:rPr lang="en-US" altLang="zh-CN" sz="1600" dirty="0">
-                <a:solidFill>
-                  <a:schemeClr val="accent1"/>
-                </a:solidFill>
-                <a:latin typeface="+mn-lt"/>
-                <a:ea typeface="+mn-ea"/>
-                <a:cs typeface="+mn-ea"/>
-                <a:sym typeface="+mn-lt"/>
-              </a:rPr>
-              <a:t>Action</a:t>
-            </a:r>
-            <a:endParaRPr lang="zh-CN" altLang="en-US" sz="1600" dirty="0">
-              <a:solidFill>
-                <a:schemeClr val="accent1"/>
-              </a:solidFill>
-              <a:latin typeface="+mn-lt"/>
-              <a:ea typeface="+mn-ea"/>
-              <a:cs typeface="+mn-ea"/>
-              <a:sym typeface="+mn-lt"/>
-            </a:endParaRPr>
+              <a:t> 三类算子 之 控制算子</a:t>
+            </a:r>
           </a:p>
         </p:txBody>
       </p:sp>
@@ -13001,10 +13990,90 @@
           </a:fontRef>
         </p:style>
       </p:cxnSp>
+      <p:sp>
+        <p:nvSpPr>
+          <p:cNvPr id="4" name="矩形 3">
+            <a:extLst>
+              <a:ext uri="{FF2B5EF4-FFF2-40B4-BE49-F238E27FC236}">
+                <a16:creationId xmlns:a16="http://schemas.microsoft.com/office/drawing/2014/main" id="{BB6960F5-8700-604E-AF61-BE8A1B3C04E6}"/>
+              </a:ext>
+            </a:extLst>
+          </p:cNvPr>
+          <p:cNvSpPr/>
+          <p:nvPr/>
+        </p:nvSpPr>
+        <p:spPr>
+          <a:xfrm>
+            <a:off x="934510" y="541316"/>
+            <a:ext cx="5451299" cy="230832"/>
+          </a:xfrm>
+          <a:prstGeom prst="rect">
+            <a:avLst/>
+          </a:prstGeom>
+        </p:spPr>
+        <p:txBody>
+          <a:bodyPr wrap="square">
+            <a:spAutoFit/>
+          </a:bodyPr>
+          <a:lstStyle/>
+          <a:p>
+            <a:r>
+              <a:rPr lang="zh-CN" altLang="en-US" sz="900" b="0" i="0" u="none" strike="noStrike" dirty="0">
+                <a:solidFill>
+                  <a:srgbClr val="333333"/>
+                </a:solidFill>
+                <a:effectLst/>
+                <a:latin typeface="Open Sans" panose="020F0502020204030204" pitchFamily="34" charset="0"/>
+              </a:rPr>
+              <a:t>持久化方式</a:t>
+            </a:r>
+            <a:endParaRPr lang="zh-CN" altLang="en-US" sz="900" dirty="0">
+              <a:cs typeface="+mn-ea"/>
+              <a:sym typeface="+mn-lt"/>
+            </a:endParaRPr>
+          </a:p>
+        </p:txBody>
+      </p:sp>
+      <p:pic>
+        <p:nvPicPr>
+          <p:cNvPr id="5" name="图片 4">
+            <a:extLst>
+              <a:ext uri="{FF2B5EF4-FFF2-40B4-BE49-F238E27FC236}">
+                <a16:creationId xmlns:a16="http://schemas.microsoft.com/office/drawing/2014/main" id="{9062A34C-1FB3-8F4B-85DD-9559ECB6AA68}"/>
+              </a:ext>
+            </a:extLst>
+          </p:cNvPr>
+          <p:cNvPicPr>
+            <a:picLocks noChangeAspect="1"/>
+          </p:cNvPicPr>
+          <p:nvPr/>
+        </p:nvPicPr>
+        <p:blipFill>
+          <a:blip r:embed="rId3">
+            <a:extLst>
+              <a:ext uri="{28A0092B-C50C-407E-A947-70E740481C1C}">
+                <a14:useLocalDpi xmlns:a14="http://schemas.microsoft.com/office/drawing/2010/main" val="0"/>
+              </a:ext>
+            </a:extLst>
+          </a:blip>
+          <a:stretch>
+            <a:fillRect/>
+          </a:stretch>
+        </p:blipFill>
+        <p:spPr>
+          <a:xfrm>
+            <a:off x="1165883" y="1298754"/>
+            <a:ext cx="6162295" cy="2893683"/>
+          </a:xfrm>
+          <a:prstGeom prst="rect">
+            <a:avLst/>
+          </a:prstGeom>
+        </p:spPr>
+      </p:pic>
     </p:spTree>
     <p:extLst>
       <p:ext uri="{BB962C8B-B14F-4D97-AF65-F5344CB8AC3E}">
-        <p14:creationId xmlns:p14="http://schemas.microsoft.com/office/powerpoint/2010/main" val="1650142020"/>
+        <p14:creationId xmlns:p14="http://schemas.microsoft.com/office/powerpoint/2010/main" val="2520658357"/>
       </p:ext>
     </p:extLst>
   </p:cSld>
@@ -13262,10 +14331,410 @@
           </a:fontRef>
         </p:style>
       </p:cxnSp>
+      <p:sp>
+        <p:nvSpPr>
+          <p:cNvPr id="4" name="矩形 3">
+            <a:extLst>
+              <a:ext uri="{FF2B5EF4-FFF2-40B4-BE49-F238E27FC236}">
+                <a16:creationId xmlns:a16="http://schemas.microsoft.com/office/drawing/2014/main" id="{BB6960F5-8700-604E-AF61-BE8A1B3C04E6}"/>
+              </a:ext>
+            </a:extLst>
+          </p:cNvPr>
+          <p:cNvSpPr/>
+          <p:nvPr/>
+        </p:nvSpPr>
+        <p:spPr>
+          <a:xfrm>
+            <a:off x="934510" y="541316"/>
+            <a:ext cx="5451299" cy="230832"/>
+          </a:xfrm>
+          <a:prstGeom prst="rect">
+            <a:avLst/>
+          </a:prstGeom>
+        </p:spPr>
+        <p:txBody>
+          <a:bodyPr wrap="square">
+            <a:spAutoFit/>
+          </a:bodyPr>
+          <a:lstStyle/>
+          <a:p>
+            <a:r>
+              <a:rPr lang="zh-CN" altLang="en-US" sz="900" b="0" i="0" u="none" strike="noStrike" dirty="0">
+                <a:solidFill>
+                  <a:srgbClr val="333333"/>
+                </a:solidFill>
+                <a:effectLst/>
+                <a:latin typeface="Open Sans" panose="020F0502020204030204" pitchFamily="34" charset="0"/>
+              </a:rPr>
+              <a:t>持久化方式</a:t>
+            </a:r>
+            <a:endParaRPr lang="zh-CN" altLang="en-US" sz="900" dirty="0">
+              <a:cs typeface="+mn-ea"/>
+              <a:sym typeface="+mn-lt"/>
+            </a:endParaRPr>
+          </a:p>
+        </p:txBody>
+      </p:sp>
+      <p:pic>
+        <p:nvPicPr>
+          <p:cNvPr id="8" name="图片 7">
+            <a:extLst>
+              <a:ext uri="{FF2B5EF4-FFF2-40B4-BE49-F238E27FC236}">
+                <a16:creationId xmlns:a16="http://schemas.microsoft.com/office/drawing/2014/main" id="{6C650186-C48E-2943-9F30-ED93247E5E16}"/>
+              </a:ext>
+            </a:extLst>
+          </p:cNvPr>
+          <p:cNvPicPr>
+            <a:picLocks noChangeAspect="1"/>
+          </p:cNvPicPr>
+          <p:nvPr/>
+        </p:nvPicPr>
+        <p:blipFill>
+          <a:blip r:embed="rId3">
+            <a:extLst>
+              <a:ext uri="{28A0092B-C50C-407E-A947-70E740481C1C}">
+                <a14:useLocalDpi xmlns:a14="http://schemas.microsoft.com/office/drawing/2010/main" val="0"/>
+              </a:ext>
+            </a:extLst>
+          </a:blip>
+          <a:stretch>
+            <a:fillRect/>
+          </a:stretch>
+        </p:blipFill>
+        <p:spPr>
+          <a:xfrm>
+            <a:off x="1104180" y="1160602"/>
+            <a:ext cx="7039155" cy="1933571"/>
+          </a:xfrm>
+          <a:prstGeom prst="rect">
+            <a:avLst/>
+          </a:prstGeom>
+        </p:spPr>
+      </p:pic>
+      <p:sp>
+        <p:nvSpPr>
+          <p:cNvPr id="14" name="文本框 13">
+            <a:extLst>
+              <a:ext uri="{FF2B5EF4-FFF2-40B4-BE49-F238E27FC236}">
+                <a16:creationId xmlns:a16="http://schemas.microsoft.com/office/drawing/2014/main" id="{03412F6E-32A2-834B-B61D-2ABC1139132D}"/>
+              </a:ext>
+            </a:extLst>
+          </p:cNvPr>
+          <p:cNvSpPr txBox="1"/>
+          <p:nvPr/>
+        </p:nvSpPr>
+        <p:spPr>
+          <a:xfrm>
+            <a:off x="897147" y="3368106"/>
+            <a:ext cx="7341079" cy="993670"/>
+          </a:xfrm>
+          <a:prstGeom prst="rect">
+            <a:avLst/>
+          </a:prstGeom>
+          <a:noFill/>
+        </p:spPr>
+        <p:txBody>
+          <a:bodyPr wrap="square">
+            <a:spAutoFit/>
+          </a:bodyPr>
+          <a:lstStyle/>
+          <a:p>
+            <a:pPr>
+              <a:lnSpc>
+                <a:spcPct val="150000"/>
+              </a:lnSpc>
+            </a:pPr>
+            <a:r>
+              <a:rPr lang="en-US" altLang="zh-CN" b="0" i="0" dirty="0">
+                <a:solidFill>
+                  <a:srgbClr val="4D4D4D"/>
+                </a:solidFill>
+                <a:effectLst/>
+                <a:latin typeface="-apple-system"/>
+              </a:rPr>
+              <a:t>1.</a:t>
+            </a:r>
+            <a:r>
+              <a:rPr lang="zh-CN" altLang="en-US" b="0" i="0" dirty="0">
+                <a:solidFill>
+                  <a:srgbClr val="4D4D4D"/>
+                </a:solidFill>
+                <a:effectLst/>
+                <a:latin typeface="-apple-system"/>
+              </a:rPr>
+              <a:t>当</a:t>
+            </a:r>
+            <a:r>
+              <a:rPr lang="en" altLang="zh-CN" b="0" i="0" dirty="0">
+                <a:solidFill>
+                  <a:srgbClr val="4D4D4D"/>
+                </a:solidFill>
+                <a:effectLst/>
+                <a:latin typeface="-apple-system"/>
+              </a:rPr>
+              <a:t>RDD</a:t>
+            </a:r>
+            <a:r>
+              <a:rPr lang="zh-CN" altLang="en-US" b="0" i="0" dirty="0">
+                <a:solidFill>
+                  <a:srgbClr val="4D4D4D"/>
+                </a:solidFill>
+                <a:effectLst/>
+                <a:latin typeface="-apple-system"/>
+              </a:rPr>
+              <a:t>的</a:t>
+            </a:r>
+            <a:r>
+              <a:rPr lang="en" altLang="zh-CN" b="0" i="0" dirty="0">
+                <a:solidFill>
+                  <a:srgbClr val="4D4D4D"/>
+                </a:solidFill>
+                <a:effectLst/>
+                <a:latin typeface="-apple-system"/>
+              </a:rPr>
+              <a:t>job</a:t>
+            </a:r>
+            <a:r>
+              <a:rPr lang="zh-CN" altLang="en-US" b="0" i="0" dirty="0">
+                <a:solidFill>
+                  <a:srgbClr val="4D4D4D"/>
+                </a:solidFill>
+                <a:effectLst/>
+                <a:latin typeface="-apple-system"/>
+              </a:rPr>
+              <a:t>执行完毕后，会从</a:t>
+            </a:r>
+            <a:r>
+              <a:rPr lang="en-US" altLang="zh-CN" b="0" i="0" dirty="0">
+                <a:solidFill>
+                  <a:srgbClr val="4D4D4D"/>
+                </a:solidFill>
+                <a:effectLst/>
+                <a:latin typeface="-apple-system"/>
+              </a:rPr>
+              <a:t>p4</a:t>
+            </a:r>
+            <a:r>
+              <a:rPr lang="zh-CN" altLang="en-US" b="0" i="0" dirty="0">
+                <a:solidFill>
+                  <a:srgbClr val="4D4D4D"/>
+                </a:solidFill>
+                <a:effectLst/>
+                <a:latin typeface="-apple-system"/>
+              </a:rPr>
+              <a:t>从后往前回溯。</a:t>
+            </a:r>
+            <a:br>
+              <a:rPr lang="zh-CN" altLang="en-US" dirty="0"/>
+            </a:br>
+            <a:r>
+              <a:rPr lang="en-US" altLang="zh-CN" b="0" i="0" dirty="0">
+                <a:solidFill>
+                  <a:srgbClr val="4D4D4D"/>
+                </a:solidFill>
+                <a:effectLst/>
+                <a:latin typeface="-apple-system"/>
+              </a:rPr>
+              <a:t>2.</a:t>
+            </a:r>
+            <a:r>
+              <a:rPr lang="zh-CN" altLang="en-US" b="0" i="0" dirty="0">
+                <a:solidFill>
+                  <a:srgbClr val="4D4D4D"/>
+                </a:solidFill>
+                <a:effectLst/>
+                <a:latin typeface="-apple-system"/>
+              </a:rPr>
+              <a:t>当回溯到某一个</a:t>
+            </a:r>
+            <a:r>
+              <a:rPr lang="en" altLang="zh-CN" b="0" i="0" dirty="0">
+                <a:solidFill>
+                  <a:srgbClr val="4D4D4D"/>
+                </a:solidFill>
+                <a:effectLst/>
+                <a:latin typeface="-apple-system"/>
+              </a:rPr>
+              <a:t>RDD</a:t>
+            </a:r>
+            <a:r>
+              <a:rPr lang="zh-CN" altLang="en-US" b="0" i="0" dirty="0">
+                <a:solidFill>
+                  <a:srgbClr val="4D4D4D"/>
+                </a:solidFill>
+                <a:effectLst/>
+                <a:latin typeface="-apple-system"/>
+              </a:rPr>
+              <a:t>调用了</a:t>
+            </a:r>
+            <a:r>
+              <a:rPr lang="en" altLang="zh-CN" b="0" i="0" dirty="0">
+                <a:solidFill>
+                  <a:srgbClr val="4D4D4D"/>
+                </a:solidFill>
+                <a:effectLst/>
+                <a:latin typeface="-apple-system"/>
+              </a:rPr>
+              <a:t>checkpoint</a:t>
+            </a:r>
+            <a:r>
+              <a:rPr lang="zh-CN" altLang="en-US" b="0" i="0" dirty="0">
+                <a:solidFill>
+                  <a:srgbClr val="4D4D4D"/>
+                </a:solidFill>
+                <a:effectLst/>
+                <a:latin typeface="-apple-system"/>
+              </a:rPr>
+              <a:t>方法，会对当前的</a:t>
+            </a:r>
+            <a:r>
+              <a:rPr lang="en" altLang="zh-CN" b="0" i="0" dirty="0">
+                <a:solidFill>
+                  <a:srgbClr val="4D4D4D"/>
+                </a:solidFill>
+                <a:effectLst/>
+                <a:latin typeface="-apple-system"/>
+              </a:rPr>
+              <a:t>RDD</a:t>
+            </a:r>
+            <a:r>
+              <a:rPr lang="zh-CN" altLang="en-US" b="0" i="0" dirty="0">
+                <a:solidFill>
+                  <a:srgbClr val="4D4D4D"/>
+                </a:solidFill>
+                <a:effectLst/>
+                <a:latin typeface="-apple-system"/>
+              </a:rPr>
+              <a:t>做一个标记。</a:t>
+            </a:r>
+            <a:br>
+              <a:rPr lang="zh-CN" altLang="en-US" dirty="0"/>
+            </a:br>
+            <a:r>
+              <a:rPr lang="en-US" altLang="zh-CN" b="0" i="0" dirty="0">
+                <a:solidFill>
+                  <a:srgbClr val="4D4D4D"/>
+                </a:solidFill>
+                <a:effectLst/>
+                <a:latin typeface="-apple-system"/>
+              </a:rPr>
+              <a:t>3.</a:t>
+            </a:r>
+            <a:r>
+              <a:rPr lang="en" altLang="zh-CN" b="0" i="0" u="none" strike="noStrike" dirty="0">
+                <a:solidFill>
+                  <a:srgbClr val="FC5531"/>
+                </a:solidFill>
+                <a:effectLst/>
+                <a:latin typeface="-apple-system"/>
+              </a:rPr>
+              <a:t> </a:t>
+            </a:r>
+            <a:r>
+              <a:rPr lang="en" altLang="zh-CN" b="0" i="0" u="none" strike="noStrike" dirty="0">
+                <a:effectLst/>
+                <a:latin typeface="-apple-system"/>
+              </a:rPr>
+              <a:t>Spark</a:t>
+            </a:r>
+            <a:r>
+              <a:rPr lang="en" altLang="zh-CN" b="0" i="0" u="none" strike="noStrike" dirty="0">
+                <a:solidFill>
+                  <a:srgbClr val="FC5531"/>
+                </a:solidFill>
+                <a:effectLst/>
+                <a:latin typeface="-apple-system"/>
+              </a:rPr>
+              <a:t> </a:t>
+            </a:r>
+            <a:r>
+              <a:rPr lang="zh-CN" altLang="en-US" b="0" i="0" dirty="0">
+                <a:solidFill>
+                  <a:srgbClr val="4D4D4D"/>
+                </a:solidFill>
+                <a:effectLst/>
+                <a:latin typeface="-apple-system"/>
+              </a:rPr>
+              <a:t>框架会自动启动一个新的</a:t>
+            </a:r>
+            <a:r>
+              <a:rPr lang="en" altLang="zh-CN" b="0" i="0" dirty="0">
+                <a:solidFill>
+                  <a:srgbClr val="4D4D4D"/>
+                </a:solidFill>
+                <a:effectLst/>
+                <a:latin typeface="-apple-system"/>
+              </a:rPr>
+              <a:t>job</a:t>
+            </a:r>
+            <a:r>
+              <a:rPr lang="zh-CN" altLang="en" b="0" i="0" dirty="0">
+                <a:solidFill>
+                  <a:srgbClr val="4D4D4D"/>
+                </a:solidFill>
+                <a:effectLst/>
+                <a:latin typeface="-apple-system"/>
+              </a:rPr>
+              <a:t>，</a:t>
+            </a:r>
+            <a:r>
+              <a:rPr lang="zh-CN" altLang="en-US" b="0" i="0" dirty="0">
+                <a:solidFill>
+                  <a:srgbClr val="4D4D4D"/>
+                </a:solidFill>
+                <a:effectLst/>
+                <a:latin typeface="-apple-system"/>
+              </a:rPr>
+              <a:t>重新计算这个</a:t>
+            </a:r>
+            <a:r>
+              <a:rPr lang="en" altLang="zh-CN" b="0" i="0" dirty="0">
+                <a:solidFill>
+                  <a:srgbClr val="4D4D4D"/>
+                </a:solidFill>
+                <a:effectLst/>
+                <a:latin typeface="-apple-system"/>
+              </a:rPr>
+              <a:t>RDD</a:t>
+            </a:r>
+            <a:r>
+              <a:rPr lang="zh-CN" altLang="en-US" b="0" i="0" dirty="0">
+                <a:solidFill>
+                  <a:srgbClr val="4D4D4D"/>
+                </a:solidFill>
+                <a:effectLst/>
+                <a:latin typeface="-apple-system"/>
+              </a:rPr>
+              <a:t>的数据，将数据持久化到</a:t>
+            </a:r>
+            <a:r>
+              <a:rPr lang="en" altLang="zh-CN" b="0" i="0" dirty="0">
+                <a:solidFill>
+                  <a:srgbClr val="4D4D4D"/>
+                </a:solidFill>
+                <a:effectLst/>
+                <a:latin typeface="-apple-system"/>
+              </a:rPr>
+              <a:t>HDFS</a:t>
+            </a:r>
+            <a:r>
+              <a:rPr lang="zh-CN" altLang="en-US" b="0" i="0" dirty="0">
+                <a:solidFill>
+                  <a:srgbClr val="4D4D4D"/>
+                </a:solidFill>
+                <a:effectLst/>
+                <a:latin typeface="-apple-system"/>
+              </a:rPr>
+              <a:t>上</a:t>
+            </a:r>
+            <a:endParaRPr lang="zh-CN" altLang="en-US" dirty="0"/>
+          </a:p>
+        </p:txBody>
+      </p:sp>
     </p:spTree>
     <p:extLst>
       <p:ext uri="{BB962C8B-B14F-4D97-AF65-F5344CB8AC3E}">
-        <p14:creationId xmlns:p14="http://schemas.microsoft.com/office/powerpoint/2010/main" val="2520658357"/>
+        <p14:creationId xmlns:p14="http://schemas.microsoft.com/office/powerpoint/2010/main" val="2849701063"/>
       </p:ext>
     </p:extLst>
   </p:cSld>
@@ -13551,7 +15020,7 @@
         </p:blipFill>
         <p:spPr>
           <a:xfrm>
-            <a:off x="1124361" y="0"/>
+            <a:off x="1935243" y="241539"/>
             <a:ext cx="4014051" cy="5143500"/>
           </a:xfrm>
           <a:prstGeom prst="rect">
@@ -13837,7 +15306,7 @@
         </p:nvSpPr>
         <p:spPr>
           <a:xfrm>
-            <a:off x="448768" y="1695527"/>
+            <a:off x="992232" y="548213"/>
             <a:ext cx="3793448" cy="483337"/>
           </a:xfrm>
           <a:prstGeom prst="rect">
@@ -14068,8 +15537,8 @@
         </p:nvSpPr>
         <p:spPr>
           <a:xfrm>
-            <a:off x="-249836" y="2552118"/>
-            <a:ext cx="5184099" cy="1631216"/>
+            <a:off x="224287" y="1240903"/>
+            <a:ext cx="4382219" cy="3386825"/>
           </a:xfrm>
           <a:prstGeom prst="rect">
             <a:avLst/>
@@ -14083,11 +15552,14 @@
           <a:lstStyle/>
           <a:p>
             <a:pPr marL="285750" indent="-285750">
+              <a:lnSpc>
+                <a:spcPct val="150000"/>
+              </a:lnSpc>
               <a:buFont typeface="Arial" panose="020B0604020202020204" pitchFamily="34" charset="0"/>
               <a:buChar char="•"/>
             </a:pPr>
             <a:r>
-              <a:rPr lang="en" altLang="zh-CN" sz="1000" b="1" i="0" dirty="0">
+              <a:rPr lang="en" altLang="zh-CN" sz="1200" b="1" i="0" dirty="0">
                 <a:solidFill>
                   <a:srgbClr val="333333"/>
                 </a:solidFill>
@@ -14097,7 +15569,7 @@
               <a:t>Spark</a:t>
             </a:r>
             <a:r>
-              <a:rPr lang="zh-CN" altLang="en-US" sz="1000" b="1" dirty="0">
+              <a:rPr lang="zh-CN" altLang="en-US" sz="1200" b="1" dirty="0">
                 <a:solidFill>
                   <a:srgbClr val="333333"/>
                 </a:solidFill>
@@ -14106,7 +15578,7 @@
               <a:t> </a:t>
             </a:r>
             <a:r>
-              <a:rPr lang="en" altLang="zh-CN" sz="1000" b="1" i="0" dirty="0">
+              <a:rPr lang="en" altLang="zh-CN" sz="1200" b="1" i="0" dirty="0">
                 <a:solidFill>
                   <a:srgbClr val="333333"/>
                 </a:solidFill>
@@ -14116,7 +15588,7 @@
               <a:t>Streaming</a:t>
             </a:r>
             <a:br>
-              <a:rPr lang="en" altLang="zh-CN" sz="1000" b="1" i="0" dirty="0">
+              <a:rPr lang="en" altLang="zh-CN" sz="1200" b="1" i="0" dirty="0">
                 <a:solidFill>
                   <a:srgbClr val="333333"/>
                 </a:solidFill>
@@ -14125,7 +15597,7 @@
               </a:rPr>
             </a:br>
             <a:r>
-              <a:rPr lang="en" altLang="zh-CN" sz="1000" b="0" i="0" dirty="0">
+              <a:rPr lang="en" altLang="zh-CN" sz="1200" b="0" i="0" dirty="0">
                 <a:solidFill>
                   <a:srgbClr val="333333"/>
                 </a:solidFill>
@@ -14135,7 +15607,7 @@
               <a:t>Spark Streaming </a:t>
             </a:r>
             <a:r>
-              <a:rPr lang="zh-CN" altLang="en-US" sz="1000" b="0" i="0" dirty="0">
+              <a:rPr lang="zh-CN" altLang="en-US" sz="1200" b="0" i="0" dirty="0">
                 <a:solidFill>
                   <a:srgbClr val="333333"/>
                 </a:solidFill>
@@ -14145,7 +15617,7 @@
               <a:t>是</a:t>
             </a:r>
             <a:r>
-              <a:rPr lang="en" altLang="zh-CN" sz="1000" b="0" i="0" dirty="0">
+              <a:rPr lang="en" altLang="zh-CN" sz="1200" b="0" i="0" dirty="0">
                 <a:solidFill>
                   <a:srgbClr val="333333"/>
                 </a:solidFill>
@@ -14155,7 +15627,7 @@
               <a:t>Spark </a:t>
             </a:r>
             <a:r>
-              <a:rPr lang="zh-CN" altLang="en-US" sz="1000" b="0" i="0" dirty="0">
+              <a:rPr lang="zh-CN" altLang="en-US" sz="1200" b="0" i="0" dirty="0">
                 <a:solidFill>
                   <a:srgbClr val="333333"/>
                 </a:solidFill>
@@ -14164,7 +15636,7 @@
               </a:rPr>
               <a:t>的组件，用于处理实时流数据。</a:t>
             </a:r>
-            <a:endParaRPr lang="en-US" altLang="zh-CN" sz="1000" b="0" i="0" dirty="0">
+            <a:endParaRPr lang="en-US" altLang="zh-CN" sz="1200" b="0" i="0" dirty="0">
               <a:solidFill>
                 <a:srgbClr val="333333"/>
               </a:solidFill>
@@ -14174,11 +15646,14 @@
           </a:p>
           <a:p>
             <a:pPr marL="285750" indent="-285750">
+              <a:lnSpc>
+                <a:spcPct val="150000"/>
+              </a:lnSpc>
               <a:buFont typeface="Arial" panose="020B0604020202020204" pitchFamily="34" charset="0"/>
               <a:buChar char="•"/>
             </a:pPr>
             <a:r>
-              <a:rPr lang="en" altLang="zh-CN" sz="1000" b="1" i="0" dirty="0">
+              <a:rPr lang="en" altLang="zh-CN" sz="1200" b="1" i="0" dirty="0">
                 <a:solidFill>
                   <a:srgbClr val="333333"/>
                 </a:solidFill>
@@ -14188,7 +15663,7 @@
               <a:t>Spark SQL</a:t>
             </a:r>
             <a:br>
-              <a:rPr lang="en" altLang="zh-CN" sz="1000" b="1" i="0" dirty="0">
+              <a:rPr lang="en" altLang="zh-CN" sz="1200" b="1" i="0" dirty="0">
                 <a:solidFill>
                   <a:srgbClr val="333333"/>
                 </a:solidFill>
@@ -14197,7 +15672,7 @@
               </a:rPr>
             </a:br>
             <a:r>
-              <a:rPr lang="zh-CN" altLang="en-US" sz="1000" b="0" i="0" dirty="0">
+              <a:rPr lang="zh-CN" altLang="en-US" sz="1200" b="0" i="0" dirty="0">
                 <a:solidFill>
                   <a:srgbClr val="333333"/>
                 </a:solidFill>
@@ -14207,7 +15682,7 @@
               <a:t>支持通过 </a:t>
             </a:r>
             <a:r>
-              <a:rPr lang="en" altLang="zh-CN" sz="1000" b="0" i="0" dirty="0">
+              <a:rPr lang="en" altLang="zh-CN" sz="1200" b="0" i="0" dirty="0">
                 <a:solidFill>
                   <a:srgbClr val="333333"/>
                 </a:solidFill>
@@ -14217,7 +15692,7 @@
               <a:t>SQL </a:t>
             </a:r>
             <a:r>
-              <a:rPr lang="zh-CN" altLang="en-US" sz="1000" b="0" i="0" dirty="0">
+              <a:rPr lang="zh-CN" altLang="en-US" sz="1200" b="0" i="0" dirty="0">
                 <a:solidFill>
                   <a:srgbClr val="333333"/>
                 </a:solidFill>
@@ -14227,7 +15702,7 @@
               <a:t>或 </a:t>
             </a:r>
             <a:r>
-              <a:rPr lang="en" altLang="zh-CN" sz="1000" b="0" i="0" dirty="0">
+              <a:rPr lang="en" altLang="zh-CN" sz="1200" b="0" i="0" dirty="0">
                 <a:solidFill>
                   <a:srgbClr val="333333"/>
                 </a:solidFill>
@@ -14237,7 +15712,7 @@
               <a:t>Hive </a:t>
             </a:r>
             <a:r>
-              <a:rPr lang="zh-CN" altLang="en-US" sz="1000" b="0" i="0" dirty="0">
+              <a:rPr lang="zh-CN" altLang="en-US" sz="1200" b="0" i="0" dirty="0">
                 <a:solidFill>
                   <a:srgbClr val="333333"/>
                 </a:solidFill>
@@ -14246,7 +15721,7 @@
               </a:rPr>
               <a:t>查询语言查询数据。</a:t>
             </a:r>
-            <a:endParaRPr lang="en-US" altLang="zh-CN" sz="1000" b="0" i="0" dirty="0">
+            <a:endParaRPr lang="en-US" altLang="zh-CN" sz="1200" b="0" i="0" dirty="0">
               <a:solidFill>
                 <a:srgbClr val="333333"/>
               </a:solidFill>
@@ -14256,11 +15731,14 @@
           </a:p>
           <a:p>
             <a:pPr marL="285750" indent="-285750">
+              <a:lnSpc>
+                <a:spcPct val="150000"/>
+              </a:lnSpc>
               <a:buFont typeface="Arial" panose="020B0604020202020204" pitchFamily="34" charset="0"/>
               <a:buChar char="•"/>
             </a:pPr>
             <a:r>
-              <a:rPr lang="en" altLang="zh-CN" sz="1000" b="1" i="0" dirty="0" err="1">
+              <a:rPr lang="en" altLang="zh-CN" sz="1200" b="1" i="0" dirty="0" err="1">
                 <a:solidFill>
                   <a:srgbClr val="333333"/>
                 </a:solidFill>
@@ -14270,7 +15748,7 @@
               <a:t>GraphX</a:t>
             </a:r>
             <a:br>
-              <a:rPr lang="en" altLang="zh-CN" sz="1000" b="1" i="0" dirty="0">
+              <a:rPr lang="en" altLang="zh-CN" sz="1200" b="1" i="0" dirty="0">
                 <a:solidFill>
                   <a:srgbClr val="333333"/>
                 </a:solidFill>
@@ -14279,7 +15757,7 @@
               </a:rPr>
             </a:br>
             <a:r>
-              <a:rPr lang="en" altLang="zh-CN" sz="1000" b="0" i="0" dirty="0" err="1">
+              <a:rPr lang="en" altLang="zh-CN" sz="1200" b="0" i="0" dirty="0" err="1">
                 <a:solidFill>
                   <a:srgbClr val="333333"/>
                 </a:solidFill>
@@ -14289,7 +15767,7 @@
               <a:t>GraphX</a:t>
             </a:r>
             <a:r>
-              <a:rPr lang="en" altLang="zh-CN" sz="1000" b="0" i="0" dirty="0">
+              <a:rPr lang="en" altLang="zh-CN" sz="1200" b="0" i="0" dirty="0">
                 <a:solidFill>
                   <a:srgbClr val="333333"/>
                 </a:solidFill>
@@ -14299,7 +15777,7 @@
               <a:t> </a:t>
             </a:r>
             <a:r>
-              <a:rPr lang="zh-CN" altLang="en-US" sz="1000" b="0" i="0" dirty="0">
+              <a:rPr lang="zh-CN" altLang="en-US" sz="1200" b="0" i="0" dirty="0">
                 <a:solidFill>
                   <a:srgbClr val="333333"/>
                 </a:solidFill>
@@ -14309,7 +15787,7 @@
               <a:t>是用于图形和图形并行计算的 </a:t>
             </a:r>
             <a:r>
-              <a:rPr lang="en" altLang="zh-CN" sz="1000" b="0" i="0" dirty="0">
+              <a:rPr lang="en" altLang="zh-CN" sz="1200" b="0" i="0" dirty="0">
                 <a:solidFill>
                   <a:srgbClr val="333333"/>
                 </a:solidFill>
@@ -14319,7 +15797,7 @@
               <a:t>Spark API</a:t>
             </a:r>
             <a:r>
-              <a:rPr lang="zh-CN" altLang="en" sz="1000" b="0" i="0" dirty="0">
+              <a:rPr lang="zh-CN" altLang="en" sz="1200" b="0" i="0" dirty="0">
                 <a:solidFill>
                   <a:srgbClr val="333333"/>
                 </a:solidFill>
@@ -14328,7 +15806,7 @@
               </a:rPr>
               <a:t>。</a:t>
             </a:r>
-            <a:endParaRPr lang="en-US" altLang="zh-CN" sz="1000" b="0" i="0" dirty="0">
+            <a:endParaRPr lang="en-US" altLang="zh-CN" sz="1200" b="0" i="0" dirty="0">
               <a:solidFill>
                 <a:srgbClr val="333333"/>
               </a:solidFill>
@@ -14338,11 +15816,14 @@
           </a:p>
           <a:p>
             <a:pPr marL="285750" indent="-285750">
+              <a:lnSpc>
+                <a:spcPct val="150000"/>
+              </a:lnSpc>
               <a:buFont typeface="Arial" panose="020B0604020202020204" pitchFamily="34" charset="0"/>
               <a:buChar char="•"/>
             </a:pPr>
             <a:r>
-              <a:rPr lang="en" altLang="zh-CN" sz="1000" b="1" i="0" dirty="0" err="1">
+              <a:rPr lang="en" altLang="zh-CN" sz="1200" b="1" i="0" dirty="0" err="1">
                 <a:solidFill>
                   <a:srgbClr val="333333"/>
                 </a:solidFill>
@@ -14352,7 +15833,7 @@
               <a:t>MLlib</a:t>
             </a:r>
             <a:br>
-              <a:rPr lang="zh-CN" altLang="en-US" sz="1000" b="0" i="0" dirty="0">
+              <a:rPr lang="zh-CN" altLang="en-US" sz="1200" b="0" i="0" dirty="0">
                 <a:solidFill>
                   <a:srgbClr val="333333"/>
                 </a:solidFill>
@@ -14361,7 +15842,7 @@
               </a:rPr>
             </a:br>
             <a:r>
-              <a:rPr lang="en" altLang="zh-CN" sz="1000" b="0" i="0" dirty="0" err="1">
+              <a:rPr lang="en" altLang="zh-CN" sz="1200" b="0" i="0" dirty="0" err="1">
                 <a:solidFill>
                   <a:srgbClr val="333333"/>
                 </a:solidFill>
@@ -14371,7 +15852,7 @@
               <a:t>MLlib</a:t>
             </a:r>
             <a:r>
-              <a:rPr lang="en" altLang="zh-CN" sz="1000" b="0" i="0" dirty="0">
+              <a:rPr lang="en" altLang="zh-CN" sz="1200" b="0" i="0" dirty="0">
                 <a:solidFill>
                   <a:srgbClr val="333333"/>
                 </a:solidFill>
@@ -14381,7 +15862,7 @@
               <a:t> </a:t>
             </a:r>
             <a:r>
-              <a:rPr lang="zh-CN" altLang="en-US" sz="1000" b="0" i="0" dirty="0">
+              <a:rPr lang="zh-CN" altLang="en-US" sz="1200" b="0" i="0" dirty="0">
                 <a:solidFill>
                   <a:srgbClr val="333333"/>
                 </a:solidFill>
@@ -14391,7 +15872,7 @@
               <a:t>代表机器学习库。</a:t>
             </a:r>
             <a:r>
-              <a:rPr lang="en" altLang="zh-CN" sz="1000" b="0" i="0" dirty="0">
+              <a:rPr lang="en" altLang="zh-CN" sz="1200" b="0" i="0" dirty="0">
                 <a:solidFill>
                   <a:srgbClr val="333333"/>
                 </a:solidFill>
@@ -14401,7 +15882,7 @@
               <a:t>Spark </a:t>
             </a:r>
             <a:r>
-              <a:rPr lang="en" altLang="zh-CN" sz="1000" b="0" i="0" dirty="0" err="1">
+              <a:rPr lang="en" altLang="zh-CN" sz="1200" b="0" i="0" dirty="0" err="1">
                 <a:solidFill>
                   <a:srgbClr val="333333"/>
                 </a:solidFill>
@@ -14411,7 +15892,7 @@
               <a:t>MLlib</a:t>
             </a:r>
             <a:r>
-              <a:rPr lang="en" altLang="zh-CN" sz="1000" b="0" i="0" dirty="0">
+              <a:rPr lang="en" altLang="zh-CN" sz="1200" b="0" i="0" dirty="0">
                 <a:solidFill>
                   <a:srgbClr val="333333"/>
                 </a:solidFill>
@@ -14421,7 +15902,7 @@
               <a:t> </a:t>
             </a:r>
             <a:r>
-              <a:rPr lang="zh-CN" altLang="en-US" sz="1000" b="0" i="0" dirty="0">
+              <a:rPr lang="zh-CN" altLang="en-US" sz="1200" b="0" i="0" dirty="0">
                 <a:solidFill>
                   <a:srgbClr val="333333"/>
                 </a:solidFill>
@@ -14431,7 +15912,7 @@
               <a:t>用于在 </a:t>
             </a:r>
             <a:r>
-              <a:rPr lang="en" altLang="zh-CN" sz="1000" b="0" i="0" dirty="0">
+              <a:rPr lang="en" altLang="zh-CN" sz="1200" b="0" i="0" dirty="0">
                 <a:solidFill>
                   <a:srgbClr val="333333"/>
                 </a:solidFill>
@@ -14441,7 +15922,7 @@
               <a:t>Apache Spark </a:t>
             </a:r>
             <a:r>
-              <a:rPr lang="zh-CN" altLang="en-US" sz="1000" b="0" i="0" dirty="0">
+              <a:rPr lang="zh-CN" altLang="en-US" sz="1200" b="0" i="0" dirty="0">
                 <a:solidFill>
                   <a:srgbClr val="333333"/>
                 </a:solidFill>
@@ -14450,7 +15931,7 @@
               </a:rPr>
               <a:t>中执行机器学习。</a:t>
             </a:r>
-            <a:endParaRPr lang="en-US" altLang="zh-CN" sz="1000" b="0" i="0" dirty="0">
+            <a:endParaRPr lang="en-US" altLang="zh-CN" sz="1200" b="0" i="0" dirty="0">
               <a:solidFill>
                 <a:srgbClr val="333333"/>
               </a:solidFill>
@@ -14460,11 +15941,14 @@
           </a:p>
           <a:p>
             <a:pPr marL="285750" indent="-285750">
+              <a:lnSpc>
+                <a:spcPct val="150000"/>
+              </a:lnSpc>
               <a:buFont typeface="Arial" panose="020B0604020202020204" pitchFamily="34" charset="0"/>
               <a:buChar char="•"/>
             </a:pPr>
             <a:r>
-              <a:rPr lang="en" altLang="zh-CN" sz="1000" b="1" i="1" dirty="0" err="1">
+              <a:rPr lang="en" altLang="zh-CN" sz="1200" b="1" i="1" dirty="0" err="1">
                 <a:solidFill>
                   <a:srgbClr val="333333"/>
                 </a:solidFill>
@@ -14474,7 +15958,7 @@
               <a:t>SparkR</a:t>
             </a:r>
             <a:br>
-              <a:rPr lang="en" altLang="zh-CN" sz="1000" b="1" i="1" dirty="0">
+              <a:rPr lang="en" altLang="zh-CN" sz="1200" b="1" i="1" dirty="0">
                 <a:solidFill>
                   <a:srgbClr val="333333"/>
                 </a:solidFill>
@@ -14483,7 +15967,7 @@
               </a:rPr>
             </a:br>
             <a:r>
-              <a:rPr lang="zh-CN" altLang="en-US" sz="1000" b="1" i="1" dirty="0">
+              <a:rPr lang="zh-CN" altLang="en-US" sz="1200" b="1" i="1" dirty="0">
                 <a:solidFill>
                   <a:srgbClr val="333333"/>
                 </a:solidFill>
@@ -14492,7 +15976,7 @@
               <a:t>支持的</a:t>
             </a:r>
             <a:r>
-              <a:rPr lang="en-US" altLang="zh-CN" sz="1000" b="1" i="1" dirty="0">
+              <a:rPr lang="en-US" altLang="zh-CN" sz="1200" b="1" i="1" dirty="0">
                 <a:solidFill>
                   <a:srgbClr val="333333"/>
                 </a:solidFill>
@@ -14501,7 +15985,7 @@
               <a:t>R</a:t>
             </a:r>
             <a:r>
-              <a:rPr lang="zh-CN" altLang="en-US" sz="1000" b="1" i="1" dirty="0">
+              <a:rPr lang="zh-CN" altLang="en-US" sz="1200" b="1" i="1" dirty="0">
                 <a:solidFill>
                   <a:srgbClr val="333333"/>
                 </a:solidFill>
@@ -14510,7 +15994,7 @@
               <a:t>语言的包，</a:t>
             </a:r>
             <a:r>
-              <a:rPr lang="zh-CN" altLang="en-US" sz="1000" b="0" i="0" dirty="0">
+              <a:rPr lang="zh-CN" altLang="en-US" sz="1200" b="0" i="0" dirty="0">
                 <a:solidFill>
                   <a:srgbClr val="333333"/>
                 </a:solidFill>
@@ -14955,7 +16439,7 @@
         <p:spPr>
           <a:xfrm>
             <a:off x="396814" y="2984740"/>
-            <a:ext cx="8212347" cy="1292662"/>
+            <a:ext cx="8212347" cy="1868397"/>
           </a:xfrm>
           <a:prstGeom prst="rect">
             <a:avLst/>
@@ -14968,7 +16452,11 @@
           </a:bodyPr>
           <a:lstStyle/>
           <a:p>
-            <a:pPr algn="l"/>
+            <a:pPr algn="l">
+              <a:lnSpc>
+                <a:spcPct val="150000"/>
+              </a:lnSpc>
+            </a:pPr>
             <a:r>
               <a:rPr lang="en" altLang="zh-CN" sz="1800" b="1" i="0" dirty="0">
                 <a:solidFill>
@@ -14983,6 +16471,9 @@
           </a:p>
           <a:p>
             <a:pPr algn="l">
+              <a:lnSpc>
+                <a:spcPct val="150000"/>
+              </a:lnSpc>
               <a:buFont typeface="Arial" panose="020B0604020202020204" pitchFamily="34" charset="0"/>
               <a:buChar char="•"/>
             </a:pPr>
@@ -15176,6 +16667,9 @@
           </a:p>
           <a:p>
             <a:pPr algn="l">
+              <a:lnSpc>
+                <a:spcPct val="150000"/>
+              </a:lnSpc>
               <a:buFont typeface="Arial" panose="020B0604020202020204" pitchFamily="34" charset="0"/>
               <a:buChar char="•"/>
             </a:pPr>
@@ -15718,8 +17212,8 @@
         </p:nvSpPr>
         <p:spPr>
           <a:xfrm>
-            <a:off x="414067" y="3140016"/>
-            <a:ext cx="8212347" cy="1477328"/>
+            <a:off x="474452" y="2777706"/>
+            <a:ext cx="8212347" cy="2145396"/>
           </a:xfrm>
           <a:prstGeom prst="rect">
             <a:avLst/>
@@ -15732,7 +17226,11 @@
           </a:bodyPr>
           <a:lstStyle/>
           <a:p>
-            <a:pPr algn="l"/>
+            <a:pPr algn="l">
+              <a:lnSpc>
+                <a:spcPct val="150000"/>
+              </a:lnSpc>
+            </a:pPr>
             <a:r>
               <a:rPr lang="en" altLang="zh-CN" sz="1800" b="1" i="0" dirty="0">
                 <a:solidFill>
@@ -15747,6 +17245,9 @@
           </a:p>
           <a:p>
             <a:pPr algn="l">
+              <a:lnSpc>
+                <a:spcPct val="150000"/>
+              </a:lnSpc>
               <a:buFont typeface="Arial" panose="020B0604020202020204" pitchFamily="34" charset="0"/>
               <a:buChar char="•"/>
             </a:pPr>
@@ -15852,6 +17353,9 @@
           </a:p>
           <a:p>
             <a:pPr algn="l">
+              <a:lnSpc>
+                <a:spcPct val="150000"/>
+              </a:lnSpc>
               <a:buFont typeface="Arial" panose="020B0604020202020204" pitchFamily="34" charset="0"/>
               <a:buChar char="•"/>
             </a:pPr>
@@ -17389,8 +18893,8 @@
         </p:nvSpPr>
         <p:spPr>
           <a:xfrm>
-            <a:off x="414067" y="3140016"/>
-            <a:ext cx="8212347" cy="1661993"/>
+            <a:off x="370935" y="3001993"/>
+            <a:ext cx="8212347" cy="1976118"/>
           </a:xfrm>
           <a:prstGeom prst="rect">
             <a:avLst/>
@@ -17633,6 +19137,9 @@
           </a:p>
           <a:p>
             <a:pPr algn="l">
+              <a:lnSpc>
+                <a:spcPct val="150000"/>
+              </a:lnSpc>
               <a:buFont typeface="Arial" panose="020B0604020202020204" pitchFamily="34" charset="0"/>
               <a:buChar char="•"/>
             </a:pPr>
@@ -18319,7 +19826,7 @@
         <p:spPr>
           <a:xfrm>
             <a:off x="414067" y="3140016"/>
-            <a:ext cx="8212347" cy="1107996"/>
+            <a:ext cx="8212347" cy="1591398"/>
           </a:xfrm>
           <a:prstGeom prst="rect">
             <a:avLst/>
@@ -18332,7 +19839,11 @@
           </a:bodyPr>
           <a:lstStyle/>
           <a:p>
-            <a:pPr algn="l"/>
+            <a:pPr algn="l">
+              <a:lnSpc>
+                <a:spcPct val="150000"/>
+              </a:lnSpc>
+            </a:pPr>
             <a:r>
               <a:rPr lang="en" altLang="zh-CN" sz="1800" b="0" i="0" dirty="0">
                 <a:solidFill>
@@ -18347,6 +19858,9 @@
           </a:p>
           <a:p>
             <a:pPr algn="l">
+              <a:lnSpc>
+                <a:spcPct val="150000"/>
+              </a:lnSpc>
               <a:buFont typeface="Arial" panose="020B0604020202020204" pitchFamily="34" charset="0"/>
               <a:buChar char="•"/>
             </a:pPr>
@@ -18386,6 +19900,9 @@
           </a:p>
           <a:p>
             <a:pPr algn="l">
+              <a:lnSpc>
+                <a:spcPct val="150000"/>
+              </a:lnSpc>
               <a:buFont typeface="Arial" panose="020B0604020202020204" pitchFamily="34" charset="0"/>
               <a:buChar char="•"/>
             </a:pPr>
@@ -21938,8 +23455,8 @@
         </p:nvSpPr>
         <p:spPr>
           <a:xfrm>
-            <a:off x="484094" y="2160852"/>
-            <a:ext cx="3617259" cy="1338828"/>
+            <a:off x="423709" y="1703652"/>
+            <a:ext cx="3617259" cy="1924245"/>
           </a:xfrm>
           <a:prstGeom prst="rect">
             <a:avLst/>
@@ -21952,6 +23469,11 @@
           </a:bodyPr>
           <a:lstStyle/>
           <a:p>
+            <a:pPr>
+              <a:lnSpc>
+                <a:spcPct val="150000"/>
+              </a:lnSpc>
+            </a:pPr>
             <a:r>
               <a:rPr lang="en" altLang="zh-CN" b="0" i="0" dirty="0">
                 <a:solidFill>
